--- a/CapstoneProject/Java Capstone project.pptx
+++ b/CapstoneProject/Java Capstone project.pptx
@@ -5,29 +5,28 @@
     <p:sldMasterId id="2147483660" r:id="rId1"/>
   </p:sldMasterIdLst>
   <p:notesMasterIdLst>
-    <p:notesMasterId r:id="rId22"/>
+    <p:notesMasterId r:id="rId21"/>
   </p:notesMasterIdLst>
   <p:sldIdLst>
     <p:sldId id="256" r:id="rId2"/>
     <p:sldId id="257" r:id="rId3"/>
     <p:sldId id="258" r:id="rId4"/>
-    <p:sldId id="269" r:id="rId5"/>
-    <p:sldId id="272" r:id="rId6"/>
-    <p:sldId id="259" r:id="rId7"/>
-    <p:sldId id="273" r:id="rId8"/>
-    <p:sldId id="274" r:id="rId9"/>
-    <p:sldId id="275" r:id="rId10"/>
-    <p:sldId id="276" r:id="rId11"/>
-    <p:sldId id="260" r:id="rId12"/>
-    <p:sldId id="261" r:id="rId13"/>
-    <p:sldId id="262" r:id="rId14"/>
-    <p:sldId id="265" r:id="rId15"/>
-    <p:sldId id="263" r:id="rId16"/>
-    <p:sldId id="264" r:id="rId17"/>
-    <p:sldId id="266" r:id="rId18"/>
-    <p:sldId id="267" r:id="rId19"/>
-    <p:sldId id="270" r:id="rId20"/>
-    <p:sldId id="271" r:id="rId21"/>
+    <p:sldId id="259" r:id="rId5"/>
+    <p:sldId id="277" r:id="rId6"/>
+    <p:sldId id="273" r:id="rId7"/>
+    <p:sldId id="274" r:id="rId8"/>
+    <p:sldId id="275" r:id="rId9"/>
+    <p:sldId id="276" r:id="rId10"/>
+    <p:sldId id="260" r:id="rId11"/>
+    <p:sldId id="261" r:id="rId12"/>
+    <p:sldId id="262" r:id="rId13"/>
+    <p:sldId id="265" r:id="rId14"/>
+    <p:sldId id="263" r:id="rId15"/>
+    <p:sldId id="264" r:id="rId16"/>
+    <p:sldId id="266" r:id="rId17"/>
+    <p:sldId id="267" r:id="rId18"/>
+    <p:sldId id="270" r:id="rId19"/>
+    <p:sldId id="271" r:id="rId20"/>
   </p:sldIdLst>
   <p:sldSz cx="12192000" cy="6858000"/>
   <p:notesSz cx="6858000" cy="9144000"/>
@@ -12868,125 +12867,6 @@
 <file path=ppt/slides/slide10.xml><?xml version="1.0" encoding="utf-8"?>
 <p:sld xmlns:a="http://schemas.openxmlformats.org/drawingml/2006/main" xmlns:r="http://schemas.openxmlformats.org/officeDocument/2006/relationships" xmlns:p="http://schemas.openxmlformats.org/presentationml/2006/main">
   <p:cSld>
-    <p:spTree>
-      <p:nvGrpSpPr>
-        <p:cNvPr id="1" name=""/>
-        <p:cNvGrpSpPr/>
-        <p:nvPr/>
-      </p:nvGrpSpPr>
-      <p:grpSpPr>
-        <a:xfrm>
-          <a:off x="0" y="0"/>
-          <a:ext cx="0" cy="0"/>
-          <a:chOff x="0" y="0"/>
-          <a:chExt cx="0" cy="0"/>
-        </a:xfrm>
-      </p:grpSpPr>
-      <p:sp>
-        <p:nvSpPr>
-          <p:cNvPr id="2" name="Title 1">
-            <a:extLst>
-              <a:ext uri="{FF2B5EF4-FFF2-40B4-BE49-F238E27FC236}">
-                <a16:creationId xmlns:a16="http://schemas.microsoft.com/office/drawing/2014/main" id="{C651198D-4596-3EE9-B429-C97FD8EE28AB}"/>
-              </a:ext>
-            </a:extLst>
-          </p:cNvPr>
-          <p:cNvSpPr>
-            <a:spLocks noGrp="1"/>
-          </p:cNvSpPr>
-          <p:nvPr>
-            <p:ph type="title"/>
-          </p:nvPr>
-        </p:nvSpPr>
-        <p:spPr/>
-        <p:txBody>
-          <a:bodyPr/>
-          <a:lstStyle/>
-          <a:p>
-            <a:endParaRPr lang="en-US"/>
-          </a:p>
-        </p:txBody>
-      </p:sp>
-      <p:pic>
-        <p:nvPicPr>
-          <p:cNvPr id="6" name="Content Placeholder 5" descr="A diagram of a system&#10;&#10;Description automatically generated">
-            <a:extLst>
-              <a:ext uri="{FF2B5EF4-FFF2-40B4-BE49-F238E27FC236}">
-                <a16:creationId xmlns:a16="http://schemas.microsoft.com/office/drawing/2014/main" id="{D375CD82-C383-012B-62CE-AB38EC599E8D}"/>
-              </a:ext>
-            </a:extLst>
-          </p:cNvPr>
-          <p:cNvPicPr>
-            <a:picLocks noGrp="1" noChangeAspect="1"/>
-          </p:cNvPicPr>
-          <p:nvPr>
-            <p:ph idx="1"/>
-          </p:nvPr>
-        </p:nvPicPr>
-        <p:blipFill>
-          <a:blip r:embed="rId2">
-            <a:extLst>
-              <a:ext uri="{28A0092B-C50C-407E-A947-70E740481C1C}">
-                <a14:useLocalDpi xmlns:a14="http://schemas.microsoft.com/office/drawing/2010/main" val="0"/>
-              </a:ext>
-            </a:extLst>
-          </a:blip>
-          <a:stretch>
-            <a:fillRect/>
-          </a:stretch>
-        </p:blipFill>
-        <p:spPr>
-          <a:xfrm>
-            <a:off x="2426476" y="174170"/>
-            <a:ext cx="7867204" cy="6215743"/>
-          </a:xfrm>
-        </p:spPr>
-      </p:pic>
-      <p:sp>
-        <p:nvSpPr>
-          <p:cNvPr id="4" name="Slide Number Placeholder 3">
-            <a:extLst>
-              <a:ext uri="{FF2B5EF4-FFF2-40B4-BE49-F238E27FC236}">
-                <a16:creationId xmlns:a16="http://schemas.microsoft.com/office/drawing/2014/main" id="{6C731A21-B2C2-8761-E952-07B5E2B6C75D}"/>
-              </a:ext>
-            </a:extLst>
-          </p:cNvPr>
-          <p:cNvSpPr>
-            <a:spLocks noGrp="1"/>
-          </p:cNvSpPr>
-          <p:nvPr>
-            <p:ph type="sldNum" sz="quarter" idx="12"/>
-          </p:nvPr>
-        </p:nvSpPr>
-        <p:spPr/>
-        <p:txBody>
-          <a:bodyPr/>
-          <a:lstStyle/>
-          <a:p>
-            <a:fld id="{66103649-6318-499E-8D73-9FC78DC0194D}" type="slidenum">
-              <a:rPr lang="en-US" smtClean="0"/>
-              <a:t>10</a:t>
-            </a:fld>
-            <a:endParaRPr lang="en-US"/>
-          </a:p>
-        </p:txBody>
-      </p:sp>
-    </p:spTree>
-    <p:extLst>
-      <p:ext uri="{BB962C8B-B14F-4D97-AF65-F5344CB8AC3E}">
-        <p14:creationId xmlns:p14="http://schemas.microsoft.com/office/powerpoint/2010/main" val="3655734416"/>
-      </p:ext>
-    </p:extLst>
-  </p:cSld>
-  <p:clrMapOvr>
-    <a:masterClrMapping/>
-  </p:clrMapOvr>
-</p:sld>
-</file>
-
-<file path=ppt/slides/slide11.xml><?xml version="1.0" encoding="utf-8"?>
-<p:sld xmlns:a="http://schemas.openxmlformats.org/drawingml/2006/main" xmlns:r="http://schemas.openxmlformats.org/officeDocument/2006/relationships" xmlns:p="http://schemas.openxmlformats.org/presentationml/2006/main">
-  <p:cSld>
     <p:bg>
       <p:bgPr>
         <a:gradFill rotWithShape="1">
@@ -13808,7 +13688,7 @@
           <a:p>
             <a:fld id="{66103649-6318-499E-8D73-9FC78DC0194D}" type="slidenum">
               <a:rPr lang="en-US" smtClean="0"/>
-              <a:t>11</a:t>
+              <a:t>10</a:t>
             </a:fld>
             <a:endParaRPr lang="en-US"/>
           </a:p>
@@ -13827,7 +13707,7 @@
 </p:sld>
 </file>
 
-<file path=ppt/slides/slide12.xml><?xml version="1.0" encoding="utf-8"?>
+<file path=ppt/slides/slide11.xml><?xml version="1.0" encoding="utf-8"?>
 <p:sld xmlns:a="http://schemas.openxmlformats.org/drawingml/2006/main" xmlns:r="http://schemas.openxmlformats.org/officeDocument/2006/relationships" xmlns:p="http://schemas.openxmlformats.org/presentationml/2006/main">
   <p:cSld>
     <p:spTree>
@@ -13941,7 +13821,7 @@
           <a:p>
             <a:fld id="{66103649-6318-499E-8D73-9FC78DC0194D}" type="slidenum">
               <a:rPr lang="en-US" smtClean="0"/>
-              <a:t>12</a:t>
+              <a:t>11</a:t>
             </a:fld>
             <a:endParaRPr lang="en-US"/>
           </a:p>
@@ -13960,7 +13840,7 @@
 </p:sld>
 </file>
 
-<file path=ppt/slides/slide13.xml><?xml version="1.0" encoding="utf-8"?>
+<file path=ppt/slides/slide12.xml><?xml version="1.0" encoding="utf-8"?>
 <p:sld xmlns:a="http://schemas.openxmlformats.org/drawingml/2006/main" xmlns:r="http://schemas.openxmlformats.org/officeDocument/2006/relationships" xmlns:p="http://schemas.openxmlformats.org/presentationml/2006/main">
   <p:cSld>
     <p:spTree>
@@ -14074,7 +13954,7 @@
           <a:p>
             <a:fld id="{66103649-6318-499E-8D73-9FC78DC0194D}" type="slidenum">
               <a:rPr lang="en-US" smtClean="0"/>
-              <a:t>13</a:t>
+              <a:t>12</a:t>
             </a:fld>
             <a:endParaRPr lang="en-US"/>
           </a:p>
@@ -14093,7 +13973,7 @@
 </p:sld>
 </file>
 
-<file path=ppt/slides/slide14.xml><?xml version="1.0" encoding="utf-8"?>
+<file path=ppt/slides/slide13.xml><?xml version="1.0" encoding="utf-8"?>
 <p:sld xmlns:a="http://schemas.openxmlformats.org/drawingml/2006/main" xmlns:r="http://schemas.openxmlformats.org/officeDocument/2006/relationships" xmlns:p="http://schemas.openxmlformats.org/presentationml/2006/main">
   <p:cSld>
     <p:spTree>
@@ -14254,7 +14134,7 @@
           <a:p>
             <a:fld id="{66103649-6318-499E-8D73-9FC78DC0194D}" type="slidenum">
               <a:rPr lang="en-US" smtClean="0"/>
-              <a:t>14</a:t>
+              <a:t>13</a:t>
             </a:fld>
             <a:endParaRPr lang="en-US"/>
           </a:p>
@@ -14273,7 +14153,7 @@
 </p:sld>
 </file>
 
-<file path=ppt/slides/slide15.xml><?xml version="1.0" encoding="utf-8"?>
+<file path=ppt/slides/slide14.xml><?xml version="1.0" encoding="utf-8"?>
 <p:sld xmlns:a="http://schemas.openxmlformats.org/drawingml/2006/main" xmlns:r="http://schemas.openxmlformats.org/officeDocument/2006/relationships" xmlns:p="http://schemas.openxmlformats.org/presentationml/2006/main">
   <p:cSld>
     <p:bg>
@@ -15099,7 +14979,7 @@
           <a:p>
             <a:fld id="{66103649-6318-499E-8D73-9FC78DC0194D}" type="slidenum">
               <a:rPr lang="en-US" smtClean="0"/>
-              <a:t>15</a:t>
+              <a:t>14</a:t>
             </a:fld>
             <a:endParaRPr lang="en-US"/>
           </a:p>
@@ -15118,7 +14998,7 @@
 </p:sld>
 </file>
 
-<file path=ppt/slides/slide16.xml><?xml version="1.0" encoding="utf-8"?>
+<file path=ppt/slides/slide15.xml><?xml version="1.0" encoding="utf-8"?>
 <p:sld xmlns:a="http://schemas.openxmlformats.org/drawingml/2006/main" xmlns:r="http://schemas.openxmlformats.org/officeDocument/2006/relationships" xmlns:p="http://schemas.openxmlformats.org/presentationml/2006/main">
   <p:cSld>
     <p:spTree>
@@ -15413,7 +15293,7 @@
           <a:p>
             <a:fld id="{66103649-6318-499E-8D73-9FC78DC0194D}" type="slidenum">
               <a:rPr lang="en-US" smtClean="0"/>
-              <a:t>16</a:t>
+              <a:t>15</a:t>
             </a:fld>
             <a:endParaRPr lang="en-US"/>
           </a:p>
@@ -15432,7 +15312,7 @@
 </p:sld>
 </file>
 
-<file path=ppt/slides/slide17.xml><?xml version="1.0" encoding="utf-8"?>
+<file path=ppt/slides/slide16.xml><?xml version="1.0" encoding="utf-8"?>
 <p:sld xmlns:a="http://schemas.openxmlformats.org/drawingml/2006/main" xmlns:r="http://schemas.openxmlformats.org/officeDocument/2006/relationships" xmlns:p="http://schemas.openxmlformats.org/presentationml/2006/main">
   <p:cSld>
     <p:spTree>
@@ -15591,7 +15471,7 @@
           <a:p>
             <a:fld id="{66103649-6318-499E-8D73-9FC78DC0194D}" type="slidenum">
               <a:rPr lang="en-US" smtClean="0"/>
-              <a:t>17</a:t>
+              <a:t>16</a:t>
             </a:fld>
             <a:endParaRPr lang="en-US"/>
           </a:p>
@@ -15610,7 +15490,7 @@
 </p:sld>
 </file>
 
-<file path=ppt/slides/slide18.xml><?xml version="1.0" encoding="utf-8"?>
+<file path=ppt/slides/slide17.xml><?xml version="1.0" encoding="utf-8"?>
 <p:sld xmlns:a="http://schemas.openxmlformats.org/drawingml/2006/main" xmlns:r="http://schemas.openxmlformats.org/officeDocument/2006/relationships" xmlns:p="http://schemas.openxmlformats.org/presentationml/2006/main">
   <p:cSld>
     <p:bg>
@@ -16251,7 +16131,7 @@
           <a:p>
             <a:fld id="{66103649-6318-499E-8D73-9FC78DC0194D}" type="slidenum">
               <a:rPr lang="en-US" smtClean="0"/>
-              <a:t>18</a:t>
+              <a:t>17</a:t>
             </a:fld>
             <a:endParaRPr lang="en-US"/>
           </a:p>
@@ -16270,7 +16150,7 @@
 </p:sld>
 </file>
 
-<file path=ppt/slides/slide19.xml><?xml version="1.0" encoding="utf-8"?>
+<file path=ppt/slides/slide18.xml><?xml version="1.0" encoding="utf-8"?>
 <p:sld xmlns:a="http://schemas.openxmlformats.org/drawingml/2006/main" xmlns:r="http://schemas.openxmlformats.org/officeDocument/2006/relationships" xmlns:p="http://schemas.openxmlformats.org/presentationml/2006/main">
   <p:cSld>
     <p:bg>
@@ -17520,7 +17400,7 @@
           <a:p>
             <a:fld id="{66103649-6318-499E-8D73-9FC78DC0194D}" type="slidenum">
               <a:rPr lang="en-US" smtClean="0"/>
-              <a:t>19</a:t>
+              <a:t>18</a:t>
             </a:fld>
             <a:endParaRPr lang="en-US"/>
           </a:p>
@@ -17539,844 +17419,7 @@
 </p:sld>
 </file>
 
-<file path=ppt/slides/slide2.xml><?xml version="1.0" encoding="utf-8"?>
-<p:sld xmlns:a="http://schemas.openxmlformats.org/drawingml/2006/main" xmlns:r="http://schemas.openxmlformats.org/officeDocument/2006/relationships" xmlns:p="http://schemas.openxmlformats.org/presentationml/2006/main">
-  <p:cSld>
-    <p:bg>
-      <p:bgPr>
-        <a:blipFill rotWithShape="1">
-          <a:blip r:embed="rId2">
-            <a:duotone>
-              <a:schemeClr val="bg2">
-                <a:shade val="76000"/>
-                <a:satMod val="180000"/>
-              </a:schemeClr>
-              <a:schemeClr val="bg2">
-                <a:tint val="80000"/>
-                <a:satMod val="120000"/>
-                <a:lumMod val="180000"/>
-              </a:schemeClr>
-            </a:duotone>
-          </a:blip>
-          <a:stretch/>
-        </a:blipFill>
-        <a:effectLst/>
-      </p:bgPr>
-    </p:bg>
-    <p:spTree>
-      <p:nvGrpSpPr>
-        <p:cNvPr id="1" name=""/>
-        <p:cNvGrpSpPr/>
-        <p:nvPr/>
-      </p:nvGrpSpPr>
-      <p:grpSpPr>
-        <a:xfrm>
-          <a:off x="0" y="0"/>
-          <a:ext cx="0" cy="0"/>
-          <a:chOff x="0" y="0"/>
-          <a:chExt cx="0" cy="0"/>
-        </a:xfrm>
-      </p:grpSpPr>
-      <p:sp useBgFill="1">
-        <p:nvSpPr>
-          <p:cNvPr id="9" name="Rectangle 8">
-            <a:extLst>
-              <a:ext uri="{FF2B5EF4-FFF2-40B4-BE49-F238E27FC236}">
-                <a16:creationId xmlns:a16="http://schemas.microsoft.com/office/drawing/2014/main" id="{6AD30037-67ED-4367-9BE0-45787510BF13}"/>
-              </a:ext>
-              <a:ext uri="{C183D7F6-B498-43B3-948B-1728B52AA6E4}">
-                <adec:decorative xmlns:adec="http://schemas.microsoft.com/office/drawing/2017/decorative" val="1"/>
-              </a:ext>
-            </a:extLst>
-          </p:cNvPr>
-          <p:cNvSpPr>
-            <a:spLocks noGrp="1" noRot="1" noChangeAspect="1" noMove="1" noResize="1" noEditPoints="1" noAdjustHandles="1" noChangeArrowheads="1" noChangeShapeType="1" noTextEdit="1"/>
-          </p:cNvSpPr>
-          <p:nvPr>
-            <p:extLst>
-              <p:ext uri="{386F3935-93C4-4BCD-93E2-E3B085C9AB24}">
-                <p16:designElem xmlns:p16="http://schemas.microsoft.com/office/powerpoint/2015/main" val="1"/>
-              </p:ext>
-            </p:extLst>
-          </p:nvPr>
-        </p:nvSpPr>
-        <p:spPr>
-          <a:xfrm>
-            <a:off x="0" y="0"/>
-            <a:ext cx="12192000" cy="6858000"/>
-          </a:xfrm>
-          <a:prstGeom prst="rect">
-            <a:avLst/>
-          </a:prstGeom>
-          <a:ln>
-            <a:noFill/>
-          </a:ln>
-        </p:spPr>
-        <p:style>
-          <a:lnRef idx="2">
-            <a:schemeClr val="accent1">
-              <a:shade val="50000"/>
-            </a:schemeClr>
-          </a:lnRef>
-          <a:fillRef idx="1">
-            <a:schemeClr val="accent1"/>
-          </a:fillRef>
-          <a:effectRef idx="0">
-            <a:schemeClr val="accent1"/>
-          </a:effectRef>
-          <a:fontRef idx="minor">
-            <a:schemeClr val="lt1"/>
-          </a:fontRef>
-        </p:style>
-        <p:txBody>
-          <a:bodyPr rtlCol="0" anchor="ctr"/>
-          <a:lstStyle/>
-          <a:p>
-            <a:pPr algn="ctr"/>
-            <a:endParaRPr lang="en-US"/>
-          </a:p>
-        </p:txBody>
-      </p:sp>
-      <p:pic>
-        <p:nvPicPr>
-          <p:cNvPr id="5" name="Picture 4" descr="Financial graphs on a dark display">
-            <a:extLst>
-              <a:ext uri="{FF2B5EF4-FFF2-40B4-BE49-F238E27FC236}">
-                <a16:creationId xmlns:a16="http://schemas.microsoft.com/office/drawing/2014/main" id="{0A5E351D-E142-F4D0-4364-8049159F9E25}"/>
-              </a:ext>
-            </a:extLst>
-          </p:cNvPr>
-          <p:cNvPicPr>
-            <a:picLocks noChangeAspect="1"/>
-          </p:cNvPicPr>
-          <p:nvPr/>
-        </p:nvPicPr>
-        <p:blipFill>
-          <a:blip r:embed="rId3"/>
-          <a:srcRect l="22949" r="28758"/>
-          <a:stretch/>
-        </p:blipFill>
-        <p:spPr>
-          <a:xfrm>
-            <a:off x="6892924" y="10"/>
-            <a:ext cx="5299077" cy="6857990"/>
-          </a:xfrm>
-          <a:custGeom>
-            <a:avLst/>
-            <a:gdLst/>
-            <a:ahLst/>
-            <a:cxnLst/>
-            <a:rect l="l" t="t" r="r" b="b"/>
-            <a:pathLst>
-              <a:path w="5299077" h="6858000">
-                <a:moveTo>
-                  <a:pt x="836871" y="0"/>
-                </a:moveTo>
-                <a:lnTo>
-                  <a:pt x="5299077" y="0"/>
-                </a:lnTo>
-                <a:lnTo>
-                  <a:pt x="5299077" y="6858000"/>
-                </a:lnTo>
-                <a:lnTo>
-                  <a:pt x="1911312" y="6858000"/>
-                </a:lnTo>
-                <a:lnTo>
-                  <a:pt x="0" y="5333999"/>
-                </a:lnTo>
-                <a:close/>
-              </a:path>
-            </a:pathLst>
-          </a:custGeom>
-        </p:spPr>
-      </p:pic>
-      <p:grpSp>
-        <p:nvGrpSpPr>
-          <p:cNvPr id="11" name="Group 10">
-            <a:extLst>
-              <a:ext uri="{FF2B5EF4-FFF2-40B4-BE49-F238E27FC236}">
-                <a16:creationId xmlns:a16="http://schemas.microsoft.com/office/drawing/2014/main" id="{50841A4E-5BC1-44B4-83CF-D524E8AEAD64}"/>
-              </a:ext>
-              <a:ext uri="{C183D7F6-B498-43B3-948B-1728B52AA6E4}">
-                <adec:decorative xmlns:adec="http://schemas.microsoft.com/office/drawing/2017/decorative" val="1"/>
-              </a:ext>
-            </a:extLst>
-          </p:cNvPr>
-          <p:cNvGrpSpPr>
-            <a:grpSpLocks noGrp="1" noUngrp="1" noRot="1" noChangeAspect="1" noMove="1" noResize="1"/>
-          </p:cNvGrpSpPr>
-          <p:nvPr>
-            <p:extLst>
-              <p:ext uri="{386F3935-93C4-4BCD-93E2-E3B085C9AB24}">
-                <p16:designElem xmlns:p16="http://schemas.microsoft.com/office/powerpoint/2015/main" val="1"/>
-              </p:ext>
-            </p:extLst>
-          </p:nvPr>
-        </p:nvGrpSpPr>
-        <p:grpSpPr>
-          <a:xfrm>
-            <a:off x="6232760" y="0"/>
-            <a:ext cx="2436813" cy="6858001"/>
-            <a:chOff x="1320800" y="0"/>
-            <a:chExt cx="2436813" cy="6858001"/>
-          </a:xfrm>
-        </p:grpSpPr>
-        <p:sp>
-          <p:nvSpPr>
-            <p:cNvPr id="12" name="Freeform 6">
-              <a:extLst>
-                <a:ext uri="{FF2B5EF4-FFF2-40B4-BE49-F238E27FC236}">
-                  <a16:creationId xmlns:a16="http://schemas.microsoft.com/office/drawing/2014/main" id="{BF371BCC-8954-44E2-8C4F-29DC188727AC}"/>
-                </a:ext>
-                <a:ext uri="{C183D7F6-B498-43B3-948B-1728B52AA6E4}">
-                  <adec:decorative xmlns:adec="http://schemas.microsoft.com/office/drawing/2017/decorative" val="1"/>
-                </a:ext>
-              </a:extLst>
-            </p:cNvPr>
-            <p:cNvSpPr/>
-            <p:nvPr>
-              <p:extLst>
-                <p:ext uri="{386F3935-93C4-4BCD-93E2-E3B085C9AB24}">
-                  <p16:designElem xmlns:p16="http://schemas.microsoft.com/office/powerpoint/2015/main" val="1"/>
-                </p:ext>
-              </p:extLst>
-            </p:nvPr>
-          </p:nvSpPr>
-          <p:spPr bwMode="auto">
-            <a:xfrm>
-              <a:off x="1627188" y="0"/>
-              <a:ext cx="1122363" cy="5329238"/>
-            </a:xfrm>
-            <a:custGeom>
-              <a:avLst/>
-              <a:gdLst/>
-              <a:ahLst/>
-              <a:cxnLst/>
-              <a:rect l="0" t="0" r="r" b="b"/>
-              <a:pathLst>
-                <a:path w="707" h="3357">
-                  <a:moveTo>
-                    <a:pt x="0" y="3330"/>
-                  </a:moveTo>
-                  <a:lnTo>
-                    <a:pt x="156" y="3357"/>
-                  </a:lnTo>
-                  <a:lnTo>
-                    <a:pt x="707" y="0"/>
-                  </a:lnTo>
-                  <a:lnTo>
-                    <a:pt x="547" y="0"/>
-                  </a:lnTo>
-                  <a:lnTo>
-                    <a:pt x="0" y="3330"/>
-                  </a:lnTo>
-                  <a:close/>
-                </a:path>
-              </a:pathLst>
-            </a:custGeom>
-            <a:solidFill>
-              <a:schemeClr val="accent1"/>
-            </a:solidFill>
-            <a:ln>
-              <a:noFill/>
-            </a:ln>
-          </p:spPr>
-          <p:txBody>
-            <a:bodyPr/>
-            <a:lstStyle/>
-            <a:p>
-              <a:endParaRPr lang="en-US"/>
-            </a:p>
-          </p:txBody>
-        </p:sp>
-        <p:sp>
-          <p:nvSpPr>
-            <p:cNvPr id="13" name="Freeform 7">
-              <a:extLst>
-                <a:ext uri="{FF2B5EF4-FFF2-40B4-BE49-F238E27FC236}">
-                  <a16:creationId xmlns:a16="http://schemas.microsoft.com/office/drawing/2014/main" id="{CD3505BE-B420-41C5-BE34-3E7652D37A5F}"/>
-                </a:ext>
-                <a:ext uri="{C183D7F6-B498-43B3-948B-1728B52AA6E4}">
-                  <adec:decorative xmlns:adec="http://schemas.microsoft.com/office/drawing/2017/decorative" val="1"/>
-                </a:ext>
-              </a:extLst>
-            </p:cNvPr>
-            <p:cNvSpPr/>
-            <p:nvPr>
-              <p:extLst>
-                <p:ext uri="{386F3935-93C4-4BCD-93E2-E3B085C9AB24}">
-                  <p16:designElem xmlns:p16="http://schemas.microsoft.com/office/powerpoint/2015/main" val="1"/>
-                </p:ext>
-              </p:extLst>
-            </p:nvPr>
-          </p:nvSpPr>
-          <p:spPr bwMode="auto">
-            <a:xfrm>
-              <a:off x="1320800" y="0"/>
-              <a:ext cx="1117600" cy="5276850"/>
-            </a:xfrm>
-            <a:custGeom>
-              <a:avLst/>
-              <a:gdLst/>
-              <a:ahLst/>
-              <a:cxnLst/>
-              <a:rect l="0" t="0" r="r" b="b"/>
-              <a:pathLst>
-                <a:path w="704" h="3324">
-                  <a:moveTo>
-                    <a:pt x="704" y="0"/>
-                  </a:moveTo>
-                  <a:lnTo>
-                    <a:pt x="545" y="0"/>
-                  </a:lnTo>
-                  <a:lnTo>
-                    <a:pt x="0" y="3300"/>
-                  </a:lnTo>
-                  <a:lnTo>
-                    <a:pt x="157" y="3324"/>
-                  </a:lnTo>
-                  <a:lnTo>
-                    <a:pt x="704" y="0"/>
-                  </a:lnTo>
-                  <a:close/>
-                </a:path>
-              </a:pathLst>
-            </a:custGeom>
-            <a:solidFill>
-              <a:schemeClr val="tx1">
-                <a:lumMod val="65000"/>
-                <a:lumOff val="35000"/>
-              </a:schemeClr>
-            </a:solidFill>
-            <a:ln>
-              <a:noFill/>
-            </a:ln>
-          </p:spPr>
-          <p:txBody>
-            <a:bodyPr/>
-            <a:lstStyle/>
-            <a:p>
-              <a:endParaRPr lang="en-US"/>
-            </a:p>
-          </p:txBody>
-        </p:sp>
-        <p:sp>
-          <p:nvSpPr>
-            <p:cNvPr id="14" name="Freeform 8">
-              <a:extLst>
-                <a:ext uri="{FF2B5EF4-FFF2-40B4-BE49-F238E27FC236}">
-                  <a16:creationId xmlns:a16="http://schemas.microsoft.com/office/drawing/2014/main" id="{4B68A05B-A78B-4D59-8CF9-1900731A2188}"/>
-                </a:ext>
-                <a:ext uri="{C183D7F6-B498-43B3-948B-1728B52AA6E4}">
-                  <adec:decorative xmlns:adec="http://schemas.microsoft.com/office/drawing/2017/decorative" val="1"/>
-                </a:ext>
-              </a:extLst>
-            </p:cNvPr>
-            <p:cNvSpPr/>
-            <p:nvPr>
-              <p:extLst>
-                <p:ext uri="{386F3935-93C4-4BCD-93E2-E3B085C9AB24}">
-                  <p16:designElem xmlns:p16="http://schemas.microsoft.com/office/powerpoint/2015/main" val="1"/>
-                </p:ext>
-              </p:extLst>
-            </p:nvPr>
-          </p:nvSpPr>
-          <p:spPr bwMode="auto">
-            <a:xfrm>
-              <a:off x="1320800" y="5238750"/>
-              <a:ext cx="1228725" cy="1619250"/>
-            </a:xfrm>
-            <a:custGeom>
-              <a:avLst/>
-              <a:gdLst/>
-              <a:ahLst/>
-              <a:cxnLst/>
-              <a:rect l="0" t="0" r="r" b="b"/>
-              <a:pathLst>
-                <a:path w="774" h="1020">
-                  <a:moveTo>
-                    <a:pt x="0" y="0"/>
-                  </a:moveTo>
-                  <a:lnTo>
-                    <a:pt x="740" y="1020"/>
-                  </a:lnTo>
-                  <a:lnTo>
-                    <a:pt x="774" y="1020"/>
-                  </a:lnTo>
-                  <a:lnTo>
-                    <a:pt x="0" y="0"/>
-                  </a:lnTo>
-                  <a:close/>
-                </a:path>
-              </a:pathLst>
-            </a:custGeom>
-            <a:solidFill>
-              <a:schemeClr val="tx1">
-                <a:lumMod val="85000"/>
-                <a:lumOff val="15000"/>
-              </a:schemeClr>
-            </a:solidFill>
-            <a:ln>
-              <a:noFill/>
-            </a:ln>
-          </p:spPr>
-          <p:txBody>
-            <a:bodyPr/>
-            <a:lstStyle/>
-            <a:p>
-              <a:endParaRPr lang="en-US"/>
-            </a:p>
-          </p:txBody>
-        </p:sp>
-        <p:sp>
-          <p:nvSpPr>
-            <p:cNvPr id="15" name="Freeform 9">
-              <a:extLst>
-                <a:ext uri="{FF2B5EF4-FFF2-40B4-BE49-F238E27FC236}">
-                  <a16:creationId xmlns:a16="http://schemas.microsoft.com/office/drawing/2014/main" id="{84D57A01-C112-4FF2-B5ED-0B762AAD9CE2}"/>
-                </a:ext>
-                <a:ext uri="{C183D7F6-B498-43B3-948B-1728B52AA6E4}">
-                  <adec:decorative xmlns:adec="http://schemas.microsoft.com/office/drawing/2017/decorative" val="1"/>
-                </a:ext>
-              </a:extLst>
-            </p:cNvPr>
-            <p:cNvSpPr/>
-            <p:nvPr>
-              <p:extLst>
-                <p:ext uri="{386F3935-93C4-4BCD-93E2-E3B085C9AB24}">
-                  <p16:designElem xmlns:p16="http://schemas.microsoft.com/office/powerpoint/2015/main" val="1"/>
-                </p:ext>
-              </p:extLst>
-            </p:nvPr>
-          </p:nvSpPr>
-          <p:spPr bwMode="auto">
-            <a:xfrm>
-              <a:off x="1627188" y="5291138"/>
-              <a:ext cx="1495425" cy="1566863"/>
-            </a:xfrm>
-            <a:custGeom>
-              <a:avLst/>
-              <a:gdLst/>
-              <a:ahLst/>
-              <a:cxnLst/>
-              <a:rect l="0" t="0" r="r" b="b"/>
-              <a:pathLst>
-                <a:path w="942" h="987">
-                  <a:moveTo>
-                    <a:pt x="0" y="0"/>
-                  </a:moveTo>
-                  <a:lnTo>
-                    <a:pt x="909" y="987"/>
-                  </a:lnTo>
-                  <a:lnTo>
-                    <a:pt x="942" y="987"/>
-                  </a:lnTo>
-                  <a:lnTo>
-                    <a:pt x="0" y="0"/>
-                  </a:lnTo>
-                  <a:close/>
-                </a:path>
-              </a:pathLst>
-            </a:custGeom>
-            <a:solidFill>
-              <a:schemeClr val="accent1">
-                <a:lumMod val="50000"/>
-              </a:schemeClr>
-            </a:solidFill>
-            <a:ln>
-              <a:noFill/>
-            </a:ln>
-          </p:spPr>
-          <p:txBody>
-            <a:bodyPr/>
-            <a:lstStyle/>
-            <a:p>
-              <a:endParaRPr lang="en-US"/>
-            </a:p>
-          </p:txBody>
-        </p:sp>
-        <p:sp>
-          <p:nvSpPr>
-            <p:cNvPr id="16" name="Freeform 10">
-              <a:extLst>
-                <a:ext uri="{FF2B5EF4-FFF2-40B4-BE49-F238E27FC236}">
-                  <a16:creationId xmlns:a16="http://schemas.microsoft.com/office/drawing/2014/main" id="{6CCCCDF1-5D4F-4CA1-8400-DFBB96BB011D}"/>
-                </a:ext>
-                <a:ext uri="{C183D7F6-B498-43B3-948B-1728B52AA6E4}">
-                  <adec:decorative xmlns:adec="http://schemas.microsoft.com/office/drawing/2017/decorative" val="1"/>
-                </a:ext>
-              </a:extLst>
-            </p:cNvPr>
-            <p:cNvSpPr/>
-            <p:nvPr>
-              <p:extLst>
-                <p:ext uri="{386F3935-93C4-4BCD-93E2-E3B085C9AB24}">
-                  <p16:designElem xmlns:p16="http://schemas.microsoft.com/office/powerpoint/2015/main" val="1"/>
-                </p:ext>
-              </p:extLst>
-            </p:nvPr>
-          </p:nvSpPr>
-          <p:spPr bwMode="auto">
-            <a:xfrm>
-              <a:off x="1627188" y="5286375"/>
-              <a:ext cx="2130425" cy="1571625"/>
-            </a:xfrm>
-            <a:custGeom>
-              <a:avLst/>
-              <a:gdLst/>
-              <a:ahLst/>
-              <a:cxnLst/>
-              <a:rect l="0" t="0" r="r" b="b"/>
-              <a:pathLst>
-                <a:path w="1342" h="990">
-                  <a:moveTo>
-                    <a:pt x="0" y="3"/>
-                  </a:moveTo>
-                  <a:lnTo>
-                    <a:pt x="942" y="990"/>
-                  </a:lnTo>
-                  <a:lnTo>
-                    <a:pt x="1342" y="990"/>
-                  </a:lnTo>
-                  <a:lnTo>
-                    <a:pt x="156" y="27"/>
-                  </a:lnTo>
-                  <a:lnTo>
-                    <a:pt x="0" y="0"/>
-                  </a:lnTo>
-                  <a:lnTo>
-                    <a:pt x="0" y="3"/>
-                  </a:lnTo>
-                  <a:close/>
-                </a:path>
-              </a:pathLst>
-            </a:custGeom>
-            <a:solidFill>
-              <a:schemeClr val="accent1">
-                <a:lumMod val="75000"/>
-              </a:schemeClr>
-            </a:solidFill>
-            <a:ln>
-              <a:noFill/>
-            </a:ln>
-          </p:spPr>
-          <p:txBody>
-            <a:bodyPr/>
-            <a:lstStyle/>
-            <a:p>
-              <a:endParaRPr lang="en-US"/>
-            </a:p>
-          </p:txBody>
-        </p:sp>
-        <p:sp>
-          <p:nvSpPr>
-            <p:cNvPr id="17" name="Freeform 11">
-              <a:extLst>
-                <a:ext uri="{FF2B5EF4-FFF2-40B4-BE49-F238E27FC236}">
-                  <a16:creationId xmlns:a16="http://schemas.microsoft.com/office/drawing/2014/main" id="{20A090B2-5344-43CD-BC70-A6D44F15E800}"/>
-                </a:ext>
-                <a:ext uri="{C183D7F6-B498-43B3-948B-1728B52AA6E4}">
-                  <adec:decorative xmlns:adec="http://schemas.microsoft.com/office/drawing/2017/decorative" val="1"/>
-                </a:ext>
-              </a:extLst>
-            </p:cNvPr>
-            <p:cNvSpPr/>
-            <p:nvPr>
-              <p:extLst>
-                <p:ext uri="{386F3935-93C4-4BCD-93E2-E3B085C9AB24}">
-                  <p16:designElem xmlns:p16="http://schemas.microsoft.com/office/powerpoint/2015/main" val="1"/>
-                </p:ext>
-              </p:extLst>
-            </p:nvPr>
-          </p:nvSpPr>
-          <p:spPr bwMode="auto">
-            <a:xfrm>
-              <a:off x="1320800" y="5238750"/>
-              <a:ext cx="1695450" cy="1619250"/>
-            </a:xfrm>
-            <a:custGeom>
-              <a:avLst/>
-              <a:gdLst/>
-              <a:ahLst/>
-              <a:cxnLst/>
-              <a:rect l="0" t="0" r="r" b="b"/>
-              <a:pathLst>
-                <a:path w="1068" h="1020">
-                  <a:moveTo>
-                    <a:pt x="1068" y="1020"/>
-                  </a:moveTo>
-                  <a:lnTo>
-                    <a:pt x="184" y="60"/>
-                  </a:lnTo>
-                  <a:lnTo>
-                    <a:pt x="154" y="27"/>
-                  </a:lnTo>
-                  <a:lnTo>
-                    <a:pt x="157" y="27"/>
-                  </a:lnTo>
-                  <a:lnTo>
-                    <a:pt x="157" y="24"/>
-                  </a:lnTo>
-                  <a:lnTo>
-                    <a:pt x="154" y="24"/>
-                  </a:lnTo>
-                  <a:lnTo>
-                    <a:pt x="0" y="0"/>
-                  </a:lnTo>
-                  <a:lnTo>
-                    <a:pt x="0" y="0"/>
-                  </a:lnTo>
-                  <a:lnTo>
-                    <a:pt x="774" y="1020"/>
-                  </a:lnTo>
-                  <a:lnTo>
-                    <a:pt x="1068" y="1020"/>
-                  </a:lnTo>
-                  <a:close/>
-                </a:path>
-              </a:pathLst>
-            </a:custGeom>
-            <a:solidFill>
-              <a:schemeClr val="tx1">
-                <a:lumMod val="75000"/>
-                <a:lumOff val="25000"/>
-              </a:schemeClr>
-            </a:solidFill>
-            <a:ln>
-              <a:noFill/>
-            </a:ln>
-          </p:spPr>
-          <p:txBody>
-            <a:bodyPr/>
-            <a:lstStyle/>
-            <a:p>
-              <a:endParaRPr lang="en-US"/>
-            </a:p>
-          </p:txBody>
-        </p:sp>
-      </p:grpSp>
-      <p:sp>
-        <p:nvSpPr>
-          <p:cNvPr id="2" name="Title 1">
-            <a:extLst>
-              <a:ext uri="{FF2B5EF4-FFF2-40B4-BE49-F238E27FC236}">
-                <a16:creationId xmlns:a16="http://schemas.microsoft.com/office/drawing/2014/main" id="{B374B445-688F-EE78-4FE9-A1ACC1E0E337}"/>
-              </a:ext>
-            </a:extLst>
-          </p:cNvPr>
-          <p:cNvSpPr>
-            <a:spLocks noGrp="1"/>
-          </p:cNvSpPr>
-          <p:nvPr>
-            <p:ph type="title"/>
-          </p:nvPr>
-        </p:nvSpPr>
-        <p:spPr>
-          <a:xfrm>
-            <a:off x="972080" y="223520"/>
-            <a:ext cx="5260680" cy="1376679"/>
-          </a:xfrm>
-        </p:spPr>
-        <p:txBody>
-          <a:bodyPr>
-            <a:normAutofit/>
-          </a:bodyPr>
-          <a:lstStyle/>
-          <a:p>
-            <a:pPr algn="l"/>
-            <a:r>
-              <a:rPr lang="en-IN" dirty="0"/>
-              <a:t>Agenda</a:t>
-            </a:r>
-            <a:endParaRPr lang="en-US" dirty="0"/>
-          </a:p>
-        </p:txBody>
-      </p:sp>
-      <p:sp>
-        <p:nvSpPr>
-          <p:cNvPr id="3" name="Content Placeholder 2">
-            <a:extLst>
-              <a:ext uri="{FF2B5EF4-FFF2-40B4-BE49-F238E27FC236}">
-                <a16:creationId xmlns:a16="http://schemas.microsoft.com/office/drawing/2014/main" id="{81FBD2DB-65E2-5E0E-E06F-0EE0F578D025}"/>
-              </a:ext>
-            </a:extLst>
-          </p:cNvPr>
-          <p:cNvSpPr>
-            <a:spLocks noGrp="1"/>
-          </p:cNvSpPr>
-          <p:nvPr>
-            <p:ph idx="1"/>
-          </p:nvPr>
-        </p:nvSpPr>
-        <p:spPr>
-          <a:xfrm>
-            <a:off x="101599" y="1524000"/>
-            <a:ext cx="6020035" cy="4897119"/>
-          </a:xfrm>
-        </p:spPr>
-        <p:txBody>
-          <a:bodyPr>
-            <a:normAutofit/>
-          </a:bodyPr>
-          <a:lstStyle/>
-          <a:p>
-            <a:pPr>
-              <a:lnSpc>
-                <a:spcPct val="90000"/>
-              </a:lnSpc>
-              <a:buFont typeface="Wingdings" panose="05000000000000000000" pitchFamily="2" charset="2"/>
-              <a:buChar char="v"/>
-            </a:pPr>
-            <a:r>
-              <a:rPr lang="en-US" sz="1600" dirty="0"/>
-              <a:t>Overview</a:t>
-            </a:r>
-          </a:p>
-          <a:p>
-            <a:pPr>
-              <a:lnSpc>
-                <a:spcPct val="90000"/>
-              </a:lnSpc>
-              <a:buFont typeface="Wingdings" panose="05000000000000000000" pitchFamily="2" charset="2"/>
-              <a:buChar char="v"/>
-            </a:pPr>
-            <a:r>
-              <a:rPr lang="en-US" sz="1600" dirty="0"/>
-              <a:t>Roles distribution in the team </a:t>
-            </a:r>
-          </a:p>
-          <a:p>
-            <a:pPr>
-              <a:lnSpc>
-                <a:spcPct val="90000"/>
-              </a:lnSpc>
-              <a:buFont typeface="Wingdings" panose="05000000000000000000" pitchFamily="2" charset="2"/>
-              <a:buChar char="v"/>
-            </a:pPr>
-            <a:r>
-              <a:rPr lang="en-US" sz="1600" dirty="0"/>
-              <a:t> Requirements to the system </a:t>
-            </a:r>
-          </a:p>
-          <a:p>
-            <a:pPr>
-              <a:lnSpc>
-                <a:spcPct val="90000"/>
-              </a:lnSpc>
-              <a:buFont typeface="Wingdings" panose="05000000000000000000" pitchFamily="2" charset="2"/>
-              <a:buChar char="v"/>
-            </a:pPr>
-            <a:r>
-              <a:rPr lang="en-US" sz="1600" dirty="0"/>
-              <a:t>UML class diagram and component diagram </a:t>
-            </a:r>
-          </a:p>
-          <a:p>
-            <a:pPr>
-              <a:lnSpc>
-                <a:spcPct val="90000"/>
-              </a:lnSpc>
-              <a:buFont typeface="Wingdings" panose="05000000000000000000" pitchFamily="2" charset="2"/>
-              <a:buChar char="v"/>
-            </a:pPr>
-            <a:r>
-              <a:rPr lang="en-US" sz="1600" dirty="0"/>
-              <a:t> Management I/O in the system </a:t>
-            </a:r>
-          </a:p>
-          <a:p>
-            <a:pPr>
-              <a:lnSpc>
-                <a:spcPct val="90000"/>
-              </a:lnSpc>
-              <a:buFont typeface="Wingdings" panose="05000000000000000000" pitchFamily="2" charset="2"/>
-              <a:buChar char="v"/>
-            </a:pPr>
-            <a:r>
-              <a:rPr lang="en-US" sz="1600" dirty="0"/>
-              <a:t> User interfaces </a:t>
-            </a:r>
-          </a:p>
-          <a:p>
-            <a:pPr>
-              <a:lnSpc>
-                <a:spcPct val="90000"/>
-              </a:lnSpc>
-              <a:buFont typeface="Wingdings" panose="05000000000000000000" pitchFamily="2" charset="2"/>
-              <a:buChar char="v"/>
-            </a:pPr>
-            <a:r>
-              <a:rPr lang="en-US" sz="1600" dirty="0"/>
-              <a:t> Concurrency </a:t>
-            </a:r>
-          </a:p>
-          <a:p>
-            <a:pPr>
-              <a:lnSpc>
-                <a:spcPct val="90000"/>
-              </a:lnSpc>
-              <a:buFont typeface="Wingdings" panose="05000000000000000000" pitchFamily="2" charset="2"/>
-              <a:buChar char="v"/>
-            </a:pPr>
-            <a:r>
-              <a:rPr lang="en-US" sz="1600" dirty="0"/>
-              <a:t> Results of the Unit Test of the System</a:t>
-            </a:r>
-          </a:p>
-          <a:p>
-            <a:pPr marL="0" indent="0">
-              <a:lnSpc>
-                <a:spcPct val="90000"/>
-              </a:lnSpc>
-              <a:buNone/>
-            </a:pPr>
-            <a:endParaRPr lang="en-US" sz="1600" dirty="0"/>
-          </a:p>
-        </p:txBody>
-      </p:sp>
-      <p:sp>
-        <p:nvSpPr>
-          <p:cNvPr id="4" name="Slide Number Placeholder 3">
-            <a:extLst>
-              <a:ext uri="{FF2B5EF4-FFF2-40B4-BE49-F238E27FC236}">
-                <a16:creationId xmlns:a16="http://schemas.microsoft.com/office/drawing/2014/main" id="{D9FC7D87-D643-2091-F11D-599D411C231E}"/>
-              </a:ext>
-            </a:extLst>
-          </p:cNvPr>
-          <p:cNvSpPr>
-            <a:spLocks noGrp="1"/>
-          </p:cNvSpPr>
-          <p:nvPr>
-            <p:ph type="sldNum" sz="quarter" idx="12"/>
-          </p:nvPr>
-        </p:nvSpPr>
-        <p:spPr/>
-        <p:txBody>
-          <a:bodyPr/>
-          <a:lstStyle/>
-          <a:p>
-            <a:fld id="{66103649-6318-499E-8D73-9FC78DC0194D}" type="slidenum">
-              <a:rPr lang="en-US" smtClean="0"/>
-              <a:t>2</a:t>
-            </a:fld>
-            <a:endParaRPr lang="en-US"/>
-          </a:p>
-        </p:txBody>
-      </p:sp>
-    </p:spTree>
-    <p:extLst>
-      <p:ext uri="{BB962C8B-B14F-4D97-AF65-F5344CB8AC3E}">
-        <p14:creationId xmlns:p14="http://schemas.microsoft.com/office/powerpoint/2010/main" val="3161813626"/>
-      </p:ext>
-    </p:extLst>
-  </p:cSld>
-  <p:clrMapOvr>
-    <a:masterClrMapping/>
-  </p:clrMapOvr>
-</p:sld>
-</file>
-
-<file path=ppt/slides/slide20.xml><?xml version="1.0" encoding="utf-8"?>
+<file path=ppt/slides/slide19.xml><?xml version="1.0" encoding="utf-8"?>
 <p:sld xmlns:a="http://schemas.openxmlformats.org/drawingml/2006/main" xmlns:r="http://schemas.openxmlformats.org/officeDocument/2006/relationships" xmlns:p="http://schemas.openxmlformats.org/presentationml/2006/main">
   <p:cSld>
     <p:bg>
@@ -18542,7 +17585,7 @@
           <a:p>
             <a:fld id="{66103649-6318-499E-8D73-9FC78DC0194D}" type="slidenum">
               <a:rPr lang="en-US" smtClean="0"/>
-              <a:t>20</a:t>
+              <a:t>19</a:t>
             </a:fld>
             <a:endParaRPr lang="en-US"/>
           </a:p>
@@ -18552,6 +17595,843 @@
     <p:extLst>
       <p:ext uri="{BB962C8B-B14F-4D97-AF65-F5344CB8AC3E}">
         <p14:creationId xmlns:p14="http://schemas.microsoft.com/office/powerpoint/2010/main" val="1163533451"/>
+      </p:ext>
+    </p:extLst>
+  </p:cSld>
+  <p:clrMapOvr>
+    <a:masterClrMapping/>
+  </p:clrMapOvr>
+</p:sld>
+</file>
+
+<file path=ppt/slides/slide2.xml><?xml version="1.0" encoding="utf-8"?>
+<p:sld xmlns:a="http://schemas.openxmlformats.org/drawingml/2006/main" xmlns:r="http://schemas.openxmlformats.org/officeDocument/2006/relationships" xmlns:p="http://schemas.openxmlformats.org/presentationml/2006/main">
+  <p:cSld>
+    <p:bg>
+      <p:bgPr>
+        <a:blipFill rotWithShape="1">
+          <a:blip r:embed="rId2">
+            <a:duotone>
+              <a:schemeClr val="bg2">
+                <a:shade val="76000"/>
+                <a:satMod val="180000"/>
+              </a:schemeClr>
+              <a:schemeClr val="bg2">
+                <a:tint val="80000"/>
+                <a:satMod val="120000"/>
+                <a:lumMod val="180000"/>
+              </a:schemeClr>
+            </a:duotone>
+          </a:blip>
+          <a:stretch/>
+        </a:blipFill>
+        <a:effectLst/>
+      </p:bgPr>
+    </p:bg>
+    <p:spTree>
+      <p:nvGrpSpPr>
+        <p:cNvPr id="1" name=""/>
+        <p:cNvGrpSpPr/>
+        <p:nvPr/>
+      </p:nvGrpSpPr>
+      <p:grpSpPr>
+        <a:xfrm>
+          <a:off x="0" y="0"/>
+          <a:ext cx="0" cy="0"/>
+          <a:chOff x="0" y="0"/>
+          <a:chExt cx="0" cy="0"/>
+        </a:xfrm>
+      </p:grpSpPr>
+      <p:sp useBgFill="1">
+        <p:nvSpPr>
+          <p:cNvPr id="9" name="Rectangle 8">
+            <a:extLst>
+              <a:ext uri="{FF2B5EF4-FFF2-40B4-BE49-F238E27FC236}">
+                <a16:creationId xmlns:a16="http://schemas.microsoft.com/office/drawing/2014/main" id="{6AD30037-67ED-4367-9BE0-45787510BF13}"/>
+              </a:ext>
+              <a:ext uri="{C183D7F6-B498-43B3-948B-1728B52AA6E4}">
+                <adec:decorative xmlns:adec="http://schemas.microsoft.com/office/drawing/2017/decorative" val="1"/>
+              </a:ext>
+            </a:extLst>
+          </p:cNvPr>
+          <p:cNvSpPr>
+            <a:spLocks noGrp="1" noRot="1" noChangeAspect="1" noMove="1" noResize="1" noEditPoints="1" noAdjustHandles="1" noChangeArrowheads="1" noChangeShapeType="1" noTextEdit="1"/>
+          </p:cNvSpPr>
+          <p:nvPr>
+            <p:extLst>
+              <p:ext uri="{386F3935-93C4-4BCD-93E2-E3B085C9AB24}">
+                <p16:designElem xmlns:p16="http://schemas.microsoft.com/office/powerpoint/2015/main" val="1"/>
+              </p:ext>
+            </p:extLst>
+          </p:nvPr>
+        </p:nvSpPr>
+        <p:spPr>
+          <a:xfrm>
+            <a:off x="0" y="0"/>
+            <a:ext cx="12192000" cy="6858000"/>
+          </a:xfrm>
+          <a:prstGeom prst="rect">
+            <a:avLst/>
+          </a:prstGeom>
+          <a:ln>
+            <a:noFill/>
+          </a:ln>
+        </p:spPr>
+        <p:style>
+          <a:lnRef idx="2">
+            <a:schemeClr val="accent1">
+              <a:shade val="50000"/>
+            </a:schemeClr>
+          </a:lnRef>
+          <a:fillRef idx="1">
+            <a:schemeClr val="accent1"/>
+          </a:fillRef>
+          <a:effectRef idx="0">
+            <a:schemeClr val="accent1"/>
+          </a:effectRef>
+          <a:fontRef idx="minor">
+            <a:schemeClr val="lt1"/>
+          </a:fontRef>
+        </p:style>
+        <p:txBody>
+          <a:bodyPr rtlCol="0" anchor="ctr"/>
+          <a:lstStyle/>
+          <a:p>
+            <a:pPr algn="ctr"/>
+            <a:endParaRPr lang="en-US"/>
+          </a:p>
+        </p:txBody>
+      </p:sp>
+      <p:pic>
+        <p:nvPicPr>
+          <p:cNvPr id="5" name="Picture 4" descr="Financial graphs on a dark display">
+            <a:extLst>
+              <a:ext uri="{FF2B5EF4-FFF2-40B4-BE49-F238E27FC236}">
+                <a16:creationId xmlns:a16="http://schemas.microsoft.com/office/drawing/2014/main" id="{0A5E351D-E142-F4D0-4364-8049159F9E25}"/>
+              </a:ext>
+            </a:extLst>
+          </p:cNvPr>
+          <p:cNvPicPr>
+            <a:picLocks noChangeAspect="1"/>
+          </p:cNvPicPr>
+          <p:nvPr/>
+        </p:nvPicPr>
+        <p:blipFill>
+          <a:blip r:embed="rId3"/>
+          <a:srcRect l="22949" r="28758"/>
+          <a:stretch/>
+        </p:blipFill>
+        <p:spPr>
+          <a:xfrm>
+            <a:off x="6892924" y="10"/>
+            <a:ext cx="5299077" cy="6857990"/>
+          </a:xfrm>
+          <a:custGeom>
+            <a:avLst/>
+            <a:gdLst/>
+            <a:ahLst/>
+            <a:cxnLst/>
+            <a:rect l="l" t="t" r="r" b="b"/>
+            <a:pathLst>
+              <a:path w="5299077" h="6858000">
+                <a:moveTo>
+                  <a:pt x="836871" y="0"/>
+                </a:moveTo>
+                <a:lnTo>
+                  <a:pt x="5299077" y="0"/>
+                </a:lnTo>
+                <a:lnTo>
+                  <a:pt x="5299077" y="6858000"/>
+                </a:lnTo>
+                <a:lnTo>
+                  <a:pt x="1911312" y="6858000"/>
+                </a:lnTo>
+                <a:lnTo>
+                  <a:pt x="0" y="5333999"/>
+                </a:lnTo>
+                <a:close/>
+              </a:path>
+            </a:pathLst>
+          </a:custGeom>
+        </p:spPr>
+      </p:pic>
+      <p:grpSp>
+        <p:nvGrpSpPr>
+          <p:cNvPr id="11" name="Group 10">
+            <a:extLst>
+              <a:ext uri="{FF2B5EF4-FFF2-40B4-BE49-F238E27FC236}">
+                <a16:creationId xmlns:a16="http://schemas.microsoft.com/office/drawing/2014/main" id="{50841A4E-5BC1-44B4-83CF-D524E8AEAD64}"/>
+              </a:ext>
+              <a:ext uri="{C183D7F6-B498-43B3-948B-1728B52AA6E4}">
+                <adec:decorative xmlns:adec="http://schemas.microsoft.com/office/drawing/2017/decorative" val="1"/>
+              </a:ext>
+            </a:extLst>
+          </p:cNvPr>
+          <p:cNvGrpSpPr>
+            <a:grpSpLocks noGrp="1" noUngrp="1" noRot="1" noChangeAspect="1" noMove="1" noResize="1"/>
+          </p:cNvGrpSpPr>
+          <p:nvPr>
+            <p:extLst>
+              <p:ext uri="{386F3935-93C4-4BCD-93E2-E3B085C9AB24}">
+                <p16:designElem xmlns:p16="http://schemas.microsoft.com/office/powerpoint/2015/main" val="1"/>
+              </p:ext>
+            </p:extLst>
+          </p:nvPr>
+        </p:nvGrpSpPr>
+        <p:grpSpPr>
+          <a:xfrm>
+            <a:off x="6232760" y="0"/>
+            <a:ext cx="2436813" cy="6858001"/>
+            <a:chOff x="1320800" y="0"/>
+            <a:chExt cx="2436813" cy="6858001"/>
+          </a:xfrm>
+        </p:grpSpPr>
+        <p:sp>
+          <p:nvSpPr>
+            <p:cNvPr id="12" name="Freeform 6">
+              <a:extLst>
+                <a:ext uri="{FF2B5EF4-FFF2-40B4-BE49-F238E27FC236}">
+                  <a16:creationId xmlns:a16="http://schemas.microsoft.com/office/drawing/2014/main" id="{BF371BCC-8954-44E2-8C4F-29DC188727AC}"/>
+                </a:ext>
+                <a:ext uri="{C183D7F6-B498-43B3-948B-1728B52AA6E4}">
+                  <adec:decorative xmlns:adec="http://schemas.microsoft.com/office/drawing/2017/decorative" val="1"/>
+                </a:ext>
+              </a:extLst>
+            </p:cNvPr>
+            <p:cNvSpPr/>
+            <p:nvPr>
+              <p:extLst>
+                <p:ext uri="{386F3935-93C4-4BCD-93E2-E3B085C9AB24}">
+                  <p16:designElem xmlns:p16="http://schemas.microsoft.com/office/powerpoint/2015/main" val="1"/>
+                </p:ext>
+              </p:extLst>
+            </p:nvPr>
+          </p:nvSpPr>
+          <p:spPr bwMode="auto">
+            <a:xfrm>
+              <a:off x="1627188" y="0"/>
+              <a:ext cx="1122363" cy="5329238"/>
+            </a:xfrm>
+            <a:custGeom>
+              <a:avLst/>
+              <a:gdLst/>
+              <a:ahLst/>
+              <a:cxnLst/>
+              <a:rect l="0" t="0" r="r" b="b"/>
+              <a:pathLst>
+                <a:path w="707" h="3357">
+                  <a:moveTo>
+                    <a:pt x="0" y="3330"/>
+                  </a:moveTo>
+                  <a:lnTo>
+                    <a:pt x="156" y="3357"/>
+                  </a:lnTo>
+                  <a:lnTo>
+                    <a:pt x="707" y="0"/>
+                  </a:lnTo>
+                  <a:lnTo>
+                    <a:pt x="547" y="0"/>
+                  </a:lnTo>
+                  <a:lnTo>
+                    <a:pt x="0" y="3330"/>
+                  </a:lnTo>
+                  <a:close/>
+                </a:path>
+              </a:pathLst>
+            </a:custGeom>
+            <a:solidFill>
+              <a:schemeClr val="accent1"/>
+            </a:solidFill>
+            <a:ln>
+              <a:noFill/>
+            </a:ln>
+          </p:spPr>
+          <p:txBody>
+            <a:bodyPr/>
+            <a:lstStyle/>
+            <a:p>
+              <a:endParaRPr lang="en-US"/>
+            </a:p>
+          </p:txBody>
+        </p:sp>
+        <p:sp>
+          <p:nvSpPr>
+            <p:cNvPr id="13" name="Freeform 7">
+              <a:extLst>
+                <a:ext uri="{FF2B5EF4-FFF2-40B4-BE49-F238E27FC236}">
+                  <a16:creationId xmlns:a16="http://schemas.microsoft.com/office/drawing/2014/main" id="{CD3505BE-B420-41C5-BE34-3E7652D37A5F}"/>
+                </a:ext>
+                <a:ext uri="{C183D7F6-B498-43B3-948B-1728B52AA6E4}">
+                  <adec:decorative xmlns:adec="http://schemas.microsoft.com/office/drawing/2017/decorative" val="1"/>
+                </a:ext>
+              </a:extLst>
+            </p:cNvPr>
+            <p:cNvSpPr/>
+            <p:nvPr>
+              <p:extLst>
+                <p:ext uri="{386F3935-93C4-4BCD-93E2-E3B085C9AB24}">
+                  <p16:designElem xmlns:p16="http://schemas.microsoft.com/office/powerpoint/2015/main" val="1"/>
+                </p:ext>
+              </p:extLst>
+            </p:nvPr>
+          </p:nvSpPr>
+          <p:spPr bwMode="auto">
+            <a:xfrm>
+              <a:off x="1320800" y="0"/>
+              <a:ext cx="1117600" cy="5276850"/>
+            </a:xfrm>
+            <a:custGeom>
+              <a:avLst/>
+              <a:gdLst/>
+              <a:ahLst/>
+              <a:cxnLst/>
+              <a:rect l="0" t="0" r="r" b="b"/>
+              <a:pathLst>
+                <a:path w="704" h="3324">
+                  <a:moveTo>
+                    <a:pt x="704" y="0"/>
+                  </a:moveTo>
+                  <a:lnTo>
+                    <a:pt x="545" y="0"/>
+                  </a:lnTo>
+                  <a:lnTo>
+                    <a:pt x="0" y="3300"/>
+                  </a:lnTo>
+                  <a:lnTo>
+                    <a:pt x="157" y="3324"/>
+                  </a:lnTo>
+                  <a:lnTo>
+                    <a:pt x="704" y="0"/>
+                  </a:lnTo>
+                  <a:close/>
+                </a:path>
+              </a:pathLst>
+            </a:custGeom>
+            <a:solidFill>
+              <a:schemeClr val="tx1">
+                <a:lumMod val="65000"/>
+                <a:lumOff val="35000"/>
+              </a:schemeClr>
+            </a:solidFill>
+            <a:ln>
+              <a:noFill/>
+            </a:ln>
+          </p:spPr>
+          <p:txBody>
+            <a:bodyPr/>
+            <a:lstStyle/>
+            <a:p>
+              <a:endParaRPr lang="en-US"/>
+            </a:p>
+          </p:txBody>
+        </p:sp>
+        <p:sp>
+          <p:nvSpPr>
+            <p:cNvPr id="14" name="Freeform 8">
+              <a:extLst>
+                <a:ext uri="{FF2B5EF4-FFF2-40B4-BE49-F238E27FC236}">
+                  <a16:creationId xmlns:a16="http://schemas.microsoft.com/office/drawing/2014/main" id="{4B68A05B-A78B-4D59-8CF9-1900731A2188}"/>
+                </a:ext>
+                <a:ext uri="{C183D7F6-B498-43B3-948B-1728B52AA6E4}">
+                  <adec:decorative xmlns:adec="http://schemas.microsoft.com/office/drawing/2017/decorative" val="1"/>
+                </a:ext>
+              </a:extLst>
+            </p:cNvPr>
+            <p:cNvSpPr/>
+            <p:nvPr>
+              <p:extLst>
+                <p:ext uri="{386F3935-93C4-4BCD-93E2-E3B085C9AB24}">
+                  <p16:designElem xmlns:p16="http://schemas.microsoft.com/office/powerpoint/2015/main" val="1"/>
+                </p:ext>
+              </p:extLst>
+            </p:nvPr>
+          </p:nvSpPr>
+          <p:spPr bwMode="auto">
+            <a:xfrm>
+              <a:off x="1320800" y="5238750"/>
+              <a:ext cx="1228725" cy="1619250"/>
+            </a:xfrm>
+            <a:custGeom>
+              <a:avLst/>
+              <a:gdLst/>
+              <a:ahLst/>
+              <a:cxnLst/>
+              <a:rect l="0" t="0" r="r" b="b"/>
+              <a:pathLst>
+                <a:path w="774" h="1020">
+                  <a:moveTo>
+                    <a:pt x="0" y="0"/>
+                  </a:moveTo>
+                  <a:lnTo>
+                    <a:pt x="740" y="1020"/>
+                  </a:lnTo>
+                  <a:lnTo>
+                    <a:pt x="774" y="1020"/>
+                  </a:lnTo>
+                  <a:lnTo>
+                    <a:pt x="0" y="0"/>
+                  </a:lnTo>
+                  <a:close/>
+                </a:path>
+              </a:pathLst>
+            </a:custGeom>
+            <a:solidFill>
+              <a:schemeClr val="tx1">
+                <a:lumMod val="85000"/>
+                <a:lumOff val="15000"/>
+              </a:schemeClr>
+            </a:solidFill>
+            <a:ln>
+              <a:noFill/>
+            </a:ln>
+          </p:spPr>
+          <p:txBody>
+            <a:bodyPr/>
+            <a:lstStyle/>
+            <a:p>
+              <a:endParaRPr lang="en-US"/>
+            </a:p>
+          </p:txBody>
+        </p:sp>
+        <p:sp>
+          <p:nvSpPr>
+            <p:cNvPr id="15" name="Freeform 9">
+              <a:extLst>
+                <a:ext uri="{FF2B5EF4-FFF2-40B4-BE49-F238E27FC236}">
+                  <a16:creationId xmlns:a16="http://schemas.microsoft.com/office/drawing/2014/main" id="{84D57A01-C112-4FF2-B5ED-0B762AAD9CE2}"/>
+                </a:ext>
+                <a:ext uri="{C183D7F6-B498-43B3-948B-1728B52AA6E4}">
+                  <adec:decorative xmlns:adec="http://schemas.microsoft.com/office/drawing/2017/decorative" val="1"/>
+                </a:ext>
+              </a:extLst>
+            </p:cNvPr>
+            <p:cNvSpPr/>
+            <p:nvPr>
+              <p:extLst>
+                <p:ext uri="{386F3935-93C4-4BCD-93E2-E3B085C9AB24}">
+                  <p16:designElem xmlns:p16="http://schemas.microsoft.com/office/powerpoint/2015/main" val="1"/>
+                </p:ext>
+              </p:extLst>
+            </p:nvPr>
+          </p:nvSpPr>
+          <p:spPr bwMode="auto">
+            <a:xfrm>
+              <a:off x="1627188" y="5291138"/>
+              <a:ext cx="1495425" cy="1566863"/>
+            </a:xfrm>
+            <a:custGeom>
+              <a:avLst/>
+              <a:gdLst/>
+              <a:ahLst/>
+              <a:cxnLst/>
+              <a:rect l="0" t="0" r="r" b="b"/>
+              <a:pathLst>
+                <a:path w="942" h="987">
+                  <a:moveTo>
+                    <a:pt x="0" y="0"/>
+                  </a:moveTo>
+                  <a:lnTo>
+                    <a:pt x="909" y="987"/>
+                  </a:lnTo>
+                  <a:lnTo>
+                    <a:pt x="942" y="987"/>
+                  </a:lnTo>
+                  <a:lnTo>
+                    <a:pt x="0" y="0"/>
+                  </a:lnTo>
+                  <a:close/>
+                </a:path>
+              </a:pathLst>
+            </a:custGeom>
+            <a:solidFill>
+              <a:schemeClr val="accent1">
+                <a:lumMod val="50000"/>
+              </a:schemeClr>
+            </a:solidFill>
+            <a:ln>
+              <a:noFill/>
+            </a:ln>
+          </p:spPr>
+          <p:txBody>
+            <a:bodyPr/>
+            <a:lstStyle/>
+            <a:p>
+              <a:endParaRPr lang="en-US"/>
+            </a:p>
+          </p:txBody>
+        </p:sp>
+        <p:sp>
+          <p:nvSpPr>
+            <p:cNvPr id="16" name="Freeform 10">
+              <a:extLst>
+                <a:ext uri="{FF2B5EF4-FFF2-40B4-BE49-F238E27FC236}">
+                  <a16:creationId xmlns:a16="http://schemas.microsoft.com/office/drawing/2014/main" id="{6CCCCDF1-5D4F-4CA1-8400-DFBB96BB011D}"/>
+                </a:ext>
+                <a:ext uri="{C183D7F6-B498-43B3-948B-1728B52AA6E4}">
+                  <adec:decorative xmlns:adec="http://schemas.microsoft.com/office/drawing/2017/decorative" val="1"/>
+                </a:ext>
+              </a:extLst>
+            </p:cNvPr>
+            <p:cNvSpPr/>
+            <p:nvPr>
+              <p:extLst>
+                <p:ext uri="{386F3935-93C4-4BCD-93E2-E3B085C9AB24}">
+                  <p16:designElem xmlns:p16="http://schemas.microsoft.com/office/powerpoint/2015/main" val="1"/>
+                </p:ext>
+              </p:extLst>
+            </p:nvPr>
+          </p:nvSpPr>
+          <p:spPr bwMode="auto">
+            <a:xfrm>
+              <a:off x="1627188" y="5286375"/>
+              <a:ext cx="2130425" cy="1571625"/>
+            </a:xfrm>
+            <a:custGeom>
+              <a:avLst/>
+              <a:gdLst/>
+              <a:ahLst/>
+              <a:cxnLst/>
+              <a:rect l="0" t="0" r="r" b="b"/>
+              <a:pathLst>
+                <a:path w="1342" h="990">
+                  <a:moveTo>
+                    <a:pt x="0" y="3"/>
+                  </a:moveTo>
+                  <a:lnTo>
+                    <a:pt x="942" y="990"/>
+                  </a:lnTo>
+                  <a:lnTo>
+                    <a:pt x="1342" y="990"/>
+                  </a:lnTo>
+                  <a:lnTo>
+                    <a:pt x="156" y="27"/>
+                  </a:lnTo>
+                  <a:lnTo>
+                    <a:pt x="0" y="0"/>
+                  </a:lnTo>
+                  <a:lnTo>
+                    <a:pt x="0" y="3"/>
+                  </a:lnTo>
+                  <a:close/>
+                </a:path>
+              </a:pathLst>
+            </a:custGeom>
+            <a:solidFill>
+              <a:schemeClr val="accent1">
+                <a:lumMod val="75000"/>
+              </a:schemeClr>
+            </a:solidFill>
+            <a:ln>
+              <a:noFill/>
+            </a:ln>
+          </p:spPr>
+          <p:txBody>
+            <a:bodyPr/>
+            <a:lstStyle/>
+            <a:p>
+              <a:endParaRPr lang="en-US"/>
+            </a:p>
+          </p:txBody>
+        </p:sp>
+        <p:sp>
+          <p:nvSpPr>
+            <p:cNvPr id="17" name="Freeform 11">
+              <a:extLst>
+                <a:ext uri="{FF2B5EF4-FFF2-40B4-BE49-F238E27FC236}">
+                  <a16:creationId xmlns:a16="http://schemas.microsoft.com/office/drawing/2014/main" id="{20A090B2-5344-43CD-BC70-A6D44F15E800}"/>
+                </a:ext>
+                <a:ext uri="{C183D7F6-B498-43B3-948B-1728B52AA6E4}">
+                  <adec:decorative xmlns:adec="http://schemas.microsoft.com/office/drawing/2017/decorative" val="1"/>
+                </a:ext>
+              </a:extLst>
+            </p:cNvPr>
+            <p:cNvSpPr/>
+            <p:nvPr>
+              <p:extLst>
+                <p:ext uri="{386F3935-93C4-4BCD-93E2-E3B085C9AB24}">
+                  <p16:designElem xmlns:p16="http://schemas.microsoft.com/office/powerpoint/2015/main" val="1"/>
+                </p:ext>
+              </p:extLst>
+            </p:nvPr>
+          </p:nvSpPr>
+          <p:spPr bwMode="auto">
+            <a:xfrm>
+              <a:off x="1320800" y="5238750"/>
+              <a:ext cx="1695450" cy="1619250"/>
+            </a:xfrm>
+            <a:custGeom>
+              <a:avLst/>
+              <a:gdLst/>
+              <a:ahLst/>
+              <a:cxnLst/>
+              <a:rect l="0" t="0" r="r" b="b"/>
+              <a:pathLst>
+                <a:path w="1068" h="1020">
+                  <a:moveTo>
+                    <a:pt x="1068" y="1020"/>
+                  </a:moveTo>
+                  <a:lnTo>
+                    <a:pt x="184" y="60"/>
+                  </a:lnTo>
+                  <a:lnTo>
+                    <a:pt x="154" y="27"/>
+                  </a:lnTo>
+                  <a:lnTo>
+                    <a:pt x="157" y="27"/>
+                  </a:lnTo>
+                  <a:lnTo>
+                    <a:pt x="157" y="24"/>
+                  </a:lnTo>
+                  <a:lnTo>
+                    <a:pt x="154" y="24"/>
+                  </a:lnTo>
+                  <a:lnTo>
+                    <a:pt x="0" y="0"/>
+                  </a:lnTo>
+                  <a:lnTo>
+                    <a:pt x="0" y="0"/>
+                  </a:lnTo>
+                  <a:lnTo>
+                    <a:pt x="774" y="1020"/>
+                  </a:lnTo>
+                  <a:lnTo>
+                    <a:pt x="1068" y="1020"/>
+                  </a:lnTo>
+                  <a:close/>
+                </a:path>
+              </a:pathLst>
+            </a:custGeom>
+            <a:solidFill>
+              <a:schemeClr val="tx1">
+                <a:lumMod val="75000"/>
+                <a:lumOff val="25000"/>
+              </a:schemeClr>
+            </a:solidFill>
+            <a:ln>
+              <a:noFill/>
+            </a:ln>
+          </p:spPr>
+          <p:txBody>
+            <a:bodyPr/>
+            <a:lstStyle/>
+            <a:p>
+              <a:endParaRPr lang="en-US"/>
+            </a:p>
+          </p:txBody>
+        </p:sp>
+      </p:grpSp>
+      <p:sp>
+        <p:nvSpPr>
+          <p:cNvPr id="2" name="Title 1">
+            <a:extLst>
+              <a:ext uri="{FF2B5EF4-FFF2-40B4-BE49-F238E27FC236}">
+                <a16:creationId xmlns:a16="http://schemas.microsoft.com/office/drawing/2014/main" id="{B374B445-688F-EE78-4FE9-A1ACC1E0E337}"/>
+              </a:ext>
+            </a:extLst>
+          </p:cNvPr>
+          <p:cNvSpPr>
+            <a:spLocks noGrp="1"/>
+          </p:cNvSpPr>
+          <p:nvPr>
+            <p:ph type="title"/>
+          </p:nvPr>
+        </p:nvSpPr>
+        <p:spPr>
+          <a:xfrm>
+            <a:off x="972080" y="223520"/>
+            <a:ext cx="5260680" cy="1376679"/>
+          </a:xfrm>
+        </p:spPr>
+        <p:txBody>
+          <a:bodyPr>
+            <a:normAutofit/>
+          </a:bodyPr>
+          <a:lstStyle/>
+          <a:p>
+            <a:pPr algn="l"/>
+            <a:r>
+              <a:rPr lang="en-IN" dirty="0"/>
+              <a:t>Agenda</a:t>
+            </a:r>
+            <a:endParaRPr lang="en-US" dirty="0"/>
+          </a:p>
+        </p:txBody>
+      </p:sp>
+      <p:sp>
+        <p:nvSpPr>
+          <p:cNvPr id="3" name="Content Placeholder 2">
+            <a:extLst>
+              <a:ext uri="{FF2B5EF4-FFF2-40B4-BE49-F238E27FC236}">
+                <a16:creationId xmlns:a16="http://schemas.microsoft.com/office/drawing/2014/main" id="{81FBD2DB-65E2-5E0E-E06F-0EE0F578D025}"/>
+              </a:ext>
+            </a:extLst>
+          </p:cNvPr>
+          <p:cNvSpPr>
+            <a:spLocks noGrp="1"/>
+          </p:cNvSpPr>
+          <p:nvPr>
+            <p:ph idx="1"/>
+          </p:nvPr>
+        </p:nvSpPr>
+        <p:spPr>
+          <a:xfrm>
+            <a:off x="101599" y="1524000"/>
+            <a:ext cx="6020035" cy="4897119"/>
+          </a:xfrm>
+        </p:spPr>
+        <p:txBody>
+          <a:bodyPr>
+            <a:normAutofit/>
+          </a:bodyPr>
+          <a:lstStyle/>
+          <a:p>
+            <a:pPr>
+              <a:lnSpc>
+                <a:spcPct val="90000"/>
+              </a:lnSpc>
+              <a:buFont typeface="Wingdings" panose="05000000000000000000" pitchFamily="2" charset="2"/>
+              <a:buChar char="v"/>
+            </a:pPr>
+            <a:r>
+              <a:rPr lang="en-US" sz="1600" dirty="0"/>
+              <a:t>Overview</a:t>
+            </a:r>
+          </a:p>
+          <a:p>
+            <a:pPr>
+              <a:lnSpc>
+                <a:spcPct val="90000"/>
+              </a:lnSpc>
+              <a:buFont typeface="Wingdings" panose="05000000000000000000" pitchFamily="2" charset="2"/>
+              <a:buChar char="v"/>
+            </a:pPr>
+            <a:r>
+              <a:rPr lang="en-US" sz="1600" dirty="0"/>
+              <a:t>Roles distribution in the team </a:t>
+            </a:r>
+          </a:p>
+          <a:p>
+            <a:pPr>
+              <a:lnSpc>
+                <a:spcPct val="90000"/>
+              </a:lnSpc>
+              <a:buFont typeface="Wingdings" panose="05000000000000000000" pitchFamily="2" charset="2"/>
+              <a:buChar char="v"/>
+            </a:pPr>
+            <a:r>
+              <a:rPr lang="en-US" sz="1600" dirty="0"/>
+              <a:t> Requirements to the system </a:t>
+            </a:r>
+          </a:p>
+          <a:p>
+            <a:pPr>
+              <a:lnSpc>
+                <a:spcPct val="90000"/>
+              </a:lnSpc>
+              <a:buFont typeface="Wingdings" panose="05000000000000000000" pitchFamily="2" charset="2"/>
+              <a:buChar char="v"/>
+            </a:pPr>
+            <a:r>
+              <a:rPr lang="en-US" sz="1600" dirty="0"/>
+              <a:t>UML class diagram and component diagram </a:t>
+            </a:r>
+          </a:p>
+          <a:p>
+            <a:pPr>
+              <a:lnSpc>
+                <a:spcPct val="90000"/>
+              </a:lnSpc>
+              <a:buFont typeface="Wingdings" panose="05000000000000000000" pitchFamily="2" charset="2"/>
+              <a:buChar char="v"/>
+            </a:pPr>
+            <a:r>
+              <a:rPr lang="en-US" sz="1600" dirty="0"/>
+              <a:t> Management I/O in the system </a:t>
+            </a:r>
+          </a:p>
+          <a:p>
+            <a:pPr>
+              <a:lnSpc>
+                <a:spcPct val="90000"/>
+              </a:lnSpc>
+              <a:buFont typeface="Wingdings" panose="05000000000000000000" pitchFamily="2" charset="2"/>
+              <a:buChar char="v"/>
+            </a:pPr>
+            <a:r>
+              <a:rPr lang="en-US" sz="1600" dirty="0"/>
+              <a:t> User interfaces </a:t>
+            </a:r>
+          </a:p>
+          <a:p>
+            <a:pPr>
+              <a:lnSpc>
+                <a:spcPct val="90000"/>
+              </a:lnSpc>
+              <a:buFont typeface="Wingdings" panose="05000000000000000000" pitchFamily="2" charset="2"/>
+              <a:buChar char="v"/>
+            </a:pPr>
+            <a:r>
+              <a:rPr lang="en-US" sz="1600" dirty="0"/>
+              <a:t> Concurrency </a:t>
+            </a:r>
+          </a:p>
+          <a:p>
+            <a:pPr>
+              <a:lnSpc>
+                <a:spcPct val="90000"/>
+              </a:lnSpc>
+              <a:buFont typeface="Wingdings" panose="05000000000000000000" pitchFamily="2" charset="2"/>
+              <a:buChar char="v"/>
+            </a:pPr>
+            <a:r>
+              <a:rPr lang="en-US" sz="1600" dirty="0"/>
+              <a:t> Results of the Unit Test of the System</a:t>
+            </a:r>
+          </a:p>
+          <a:p>
+            <a:pPr marL="0" indent="0">
+              <a:lnSpc>
+                <a:spcPct val="90000"/>
+              </a:lnSpc>
+              <a:buNone/>
+            </a:pPr>
+            <a:endParaRPr lang="en-US" sz="1600" dirty="0"/>
+          </a:p>
+        </p:txBody>
+      </p:sp>
+      <p:sp>
+        <p:nvSpPr>
+          <p:cNvPr id="4" name="Slide Number Placeholder 3">
+            <a:extLst>
+              <a:ext uri="{FF2B5EF4-FFF2-40B4-BE49-F238E27FC236}">
+                <a16:creationId xmlns:a16="http://schemas.microsoft.com/office/drawing/2014/main" id="{D9FC7D87-D643-2091-F11D-599D411C231E}"/>
+              </a:ext>
+            </a:extLst>
+          </p:cNvPr>
+          <p:cNvSpPr>
+            <a:spLocks noGrp="1"/>
+          </p:cNvSpPr>
+          <p:nvPr>
+            <p:ph type="sldNum" sz="quarter" idx="12"/>
+          </p:nvPr>
+        </p:nvSpPr>
+        <p:spPr/>
+        <p:txBody>
+          <a:bodyPr/>
+          <a:lstStyle/>
+          <a:p>
+            <a:fld id="{66103649-6318-499E-8D73-9FC78DC0194D}" type="slidenum">
+              <a:rPr lang="en-US" smtClean="0"/>
+              <a:t>2</a:t>
+            </a:fld>
+            <a:endParaRPr lang="en-US"/>
+          </a:p>
+        </p:txBody>
+      </p:sp>
+    </p:spTree>
+    <p:extLst>
+      <p:ext uri="{BB962C8B-B14F-4D97-AF65-F5344CB8AC3E}">
+        <p14:creationId xmlns:p14="http://schemas.microsoft.com/office/powerpoint/2010/main" val="3161813626"/>
       </p:ext>
     </p:extLst>
   </p:cSld>
@@ -18755,264 +18635,6 @@
   <p:cSld>
     <p:bg>
       <p:bgPr>
-        <a:solidFill>
-          <a:schemeClr val="bg1"/>
-        </a:solidFill>
-        <a:effectLst/>
-      </p:bgPr>
-    </p:bg>
-    <p:spTree>
-      <p:nvGrpSpPr>
-        <p:cNvPr id="1" name=""/>
-        <p:cNvGrpSpPr/>
-        <p:nvPr/>
-      </p:nvGrpSpPr>
-      <p:grpSpPr>
-        <a:xfrm>
-          <a:off x="0" y="0"/>
-          <a:ext cx="0" cy="0"/>
-          <a:chOff x="0" y="0"/>
-          <a:chExt cx="0" cy="0"/>
-        </a:xfrm>
-      </p:grpSpPr>
-      <p:sp useBgFill="1">
-        <p:nvSpPr>
-          <p:cNvPr id="24" name="Rectangle 23">
-            <a:extLst>
-              <a:ext uri="{FF2B5EF4-FFF2-40B4-BE49-F238E27FC236}">
-                <a16:creationId xmlns:a16="http://schemas.microsoft.com/office/drawing/2014/main" id="{B61C75EE-0CB6-4E50-8FA9-658A5602CA22}"/>
-              </a:ext>
-              <a:ext uri="{C183D7F6-B498-43B3-948B-1728B52AA6E4}">
-                <adec:decorative xmlns:adec="http://schemas.microsoft.com/office/drawing/2017/decorative" val="1"/>
-              </a:ext>
-            </a:extLst>
-          </p:cNvPr>
-          <p:cNvSpPr>
-            <a:spLocks noGrp="1" noRot="1" noChangeAspect="1" noMove="1" noResize="1" noEditPoints="1" noAdjustHandles="1" noChangeArrowheads="1" noChangeShapeType="1" noTextEdit="1"/>
-          </p:cNvSpPr>
-          <p:nvPr>
-            <p:extLst>
-              <p:ext uri="{386F3935-93C4-4BCD-93E2-E3B085C9AB24}">
-                <p16:designElem xmlns:p16="http://schemas.microsoft.com/office/powerpoint/2015/main" val="1"/>
-              </p:ext>
-            </p:extLst>
-          </p:nvPr>
-        </p:nvSpPr>
-        <p:spPr>
-          <a:xfrm>
-            <a:off x="0" y="0"/>
-            <a:ext cx="12192000" cy="6858000"/>
-          </a:xfrm>
-          <a:prstGeom prst="rect">
-            <a:avLst/>
-          </a:prstGeom>
-          <a:ln>
-            <a:noFill/>
-          </a:ln>
-        </p:spPr>
-        <p:style>
-          <a:lnRef idx="2">
-            <a:schemeClr val="accent1">
-              <a:shade val="50000"/>
-            </a:schemeClr>
-          </a:lnRef>
-          <a:fillRef idx="1">
-            <a:schemeClr val="accent1"/>
-          </a:fillRef>
-          <a:effectRef idx="0">
-            <a:schemeClr val="accent1"/>
-          </a:effectRef>
-          <a:fontRef idx="minor">
-            <a:schemeClr val="lt1"/>
-          </a:fontRef>
-        </p:style>
-        <p:txBody>
-          <a:bodyPr rtlCol="0" anchor="ctr"/>
-          <a:lstStyle/>
-          <a:p>
-            <a:pPr algn="ctr"/>
-            <a:endParaRPr lang="en-US"/>
-          </a:p>
-        </p:txBody>
-      </p:sp>
-      <p:pic>
-        <p:nvPicPr>
-          <p:cNvPr id="5" name="Picture 4" descr="A screenshot of a computer&#10;&#10;Description automatically generated">
-            <a:extLst>
-              <a:ext uri="{FF2B5EF4-FFF2-40B4-BE49-F238E27FC236}">
-                <a16:creationId xmlns:a16="http://schemas.microsoft.com/office/drawing/2014/main" id="{1BE8BBD0-9CB0-6B17-5A3E-D3E4F1B31360}"/>
-              </a:ext>
-            </a:extLst>
-          </p:cNvPr>
-          <p:cNvPicPr>
-            <a:picLocks noChangeAspect="1"/>
-          </p:cNvPicPr>
-          <p:nvPr/>
-        </p:nvPicPr>
-        <p:blipFill>
-          <a:blip r:embed="rId2">
-            <a:extLst>
-              <a:ext uri="{28A0092B-C50C-407E-A947-70E740481C1C}">
-                <a14:useLocalDpi xmlns:a14="http://schemas.microsoft.com/office/drawing/2010/main" val="0"/>
-              </a:ext>
-            </a:extLst>
-          </a:blip>
-          <a:stretch>
-            <a:fillRect/>
-          </a:stretch>
-        </p:blipFill>
-        <p:spPr>
-          <a:xfrm>
-            <a:off x="6255477" y="552026"/>
-            <a:ext cx="4620193" cy="5571067"/>
-          </a:xfrm>
-          <a:prstGeom prst="rect">
-            <a:avLst/>
-          </a:prstGeom>
-        </p:spPr>
-      </p:pic>
-      <p:pic>
-        <p:nvPicPr>
-          <p:cNvPr id="3" name="Picture 2" descr="A screenshot of a computer&#10;&#10;Description automatically generated">
-            <a:extLst>
-              <a:ext uri="{FF2B5EF4-FFF2-40B4-BE49-F238E27FC236}">
-                <a16:creationId xmlns:a16="http://schemas.microsoft.com/office/drawing/2014/main" id="{D097569D-9EBB-5C29-BE1D-5F1ADCCD35D2}"/>
-              </a:ext>
-            </a:extLst>
-          </p:cNvPr>
-          <p:cNvPicPr>
-            <a:picLocks noChangeAspect="1"/>
-          </p:cNvPicPr>
-          <p:nvPr/>
-        </p:nvPicPr>
-        <p:blipFill>
-          <a:blip r:embed="rId3">
-            <a:extLst>
-              <a:ext uri="{28A0092B-C50C-407E-A947-70E740481C1C}">
-                <a14:useLocalDpi xmlns:a14="http://schemas.microsoft.com/office/drawing/2010/main" val="0"/>
-              </a:ext>
-            </a:extLst>
-          </a:blip>
-          <a:stretch>
-            <a:fillRect/>
-          </a:stretch>
-        </p:blipFill>
-        <p:spPr>
-          <a:xfrm>
-            <a:off x="335280" y="460585"/>
-            <a:ext cx="4603867" cy="5571067"/>
-          </a:xfrm>
-          <a:prstGeom prst="rect">
-            <a:avLst/>
-          </a:prstGeom>
-        </p:spPr>
-      </p:pic>
-      <p:sp>
-        <p:nvSpPr>
-          <p:cNvPr id="2" name="Slide Number Placeholder 1">
-            <a:extLst>
-              <a:ext uri="{FF2B5EF4-FFF2-40B4-BE49-F238E27FC236}">
-                <a16:creationId xmlns:a16="http://schemas.microsoft.com/office/drawing/2014/main" id="{121E893F-8C5D-5849-E230-03D2EFF19628}"/>
-              </a:ext>
-            </a:extLst>
-          </p:cNvPr>
-          <p:cNvSpPr>
-            <a:spLocks noGrp="1"/>
-          </p:cNvSpPr>
-          <p:nvPr>
-            <p:ph type="sldNum" sz="quarter" idx="12"/>
-          </p:nvPr>
-        </p:nvSpPr>
-        <p:spPr/>
-        <p:txBody>
-          <a:bodyPr/>
-          <a:lstStyle/>
-          <a:p>
-            <a:fld id="{66103649-6318-499E-8D73-9FC78DC0194D}" type="slidenum">
-              <a:rPr lang="en-US" smtClean="0"/>
-              <a:t>4</a:t>
-            </a:fld>
-            <a:endParaRPr lang="en-US"/>
-          </a:p>
-        </p:txBody>
-      </p:sp>
-    </p:spTree>
-    <p:extLst>
-      <p:ext uri="{BB962C8B-B14F-4D97-AF65-F5344CB8AC3E}">
-        <p14:creationId xmlns:p14="http://schemas.microsoft.com/office/powerpoint/2010/main" val="3879011755"/>
-      </p:ext>
-    </p:extLst>
-  </p:cSld>
-  <p:clrMapOvr>
-    <a:masterClrMapping/>
-  </p:clrMapOvr>
-</p:sld>
-</file>
-
-<file path=ppt/slides/slide5.xml><?xml version="1.0" encoding="utf-8"?>
-<p:sld xmlns:a="http://schemas.openxmlformats.org/drawingml/2006/main" xmlns:r="http://schemas.openxmlformats.org/officeDocument/2006/relationships" xmlns:p="http://schemas.openxmlformats.org/presentationml/2006/main">
-  <p:cSld>
-    <p:spTree>
-      <p:nvGrpSpPr>
-        <p:cNvPr id="1" name=""/>
-        <p:cNvGrpSpPr/>
-        <p:nvPr/>
-      </p:nvGrpSpPr>
-      <p:grpSpPr>
-        <a:xfrm>
-          <a:off x="0" y="0"/>
-          <a:ext cx="0" cy="0"/>
-          <a:chOff x="0" y="0"/>
-          <a:chExt cx="0" cy="0"/>
-        </a:xfrm>
-      </p:grpSpPr>
-      <p:sp>
-        <p:nvSpPr>
-          <p:cNvPr id="2" name="Slide Number Placeholder 1">
-            <a:extLst>
-              <a:ext uri="{FF2B5EF4-FFF2-40B4-BE49-F238E27FC236}">
-                <a16:creationId xmlns:a16="http://schemas.microsoft.com/office/drawing/2014/main" id="{ED455C7F-1113-DAFD-090C-ADE5411DF2F5}"/>
-              </a:ext>
-            </a:extLst>
-          </p:cNvPr>
-          <p:cNvSpPr>
-            <a:spLocks noGrp="1"/>
-          </p:cNvSpPr>
-          <p:nvPr>
-            <p:ph type="sldNum" sz="quarter" idx="12"/>
-          </p:nvPr>
-        </p:nvSpPr>
-        <p:spPr/>
-        <p:txBody>
-          <a:bodyPr/>
-          <a:lstStyle/>
-          <a:p>
-            <a:fld id="{66103649-6318-499E-8D73-9FC78DC0194D}" type="slidenum">
-              <a:rPr lang="en-US" smtClean="0"/>
-              <a:t>5</a:t>
-            </a:fld>
-            <a:endParaRPr lang="en-US"/>
-          </a:p>
-        </p:txBody>
-      </p:sp>
-    </p:spTree>
-    <p:extLst>
-      <p:ext uri="{BB962C8B-B14F-4D97-AF65-F5344CB8AC3E}">
-        <p14:creationId xmlns:p14="http://schemas.microsoft.com/office/powerpoint/2010/main" val="3293439282"/>
-      </p:ext>
-    </p:extLst>
-  </p:cSld>
-  <p:clrMapOvr>
-    <a:masterClrMapping/>
-  </p:clrMapOvr>
-</p:sld>
-</file>
-
-<file path=ppt/slides/slide6.xml><?xml version="1.0" encoding="utf-8"?>
-<p:sld xmlns:a="http://schemas.openxmlformats.org/drawingml/2006/main" xmlns:r="http://schemas.openxmlformats.org/officeDocument/2006/relationships" xmlns:p="http://schemas.openxmlformats.org/presentationml/2006/main">
-  <p:cSld>
-    <p:bg>
-      <p:bgPr>
         <a:gradFill rotWithShape="1">
           <a:gsLst>
             <a:gs pos="0">
@@ -19140,7 +18762,7 @@
           <a:p>
             <a:fld id="{66103649-6318-499E-8D73-9FC78DC0194D}" type="slidenum">
               <a:rPr lang="en-US" smtClean="0"/>
-              <a:t>6</a:t>
+              <a:t>4</a:t>
             </a:fld>
             <a:endParaRPr lang="en-US"/>
           </a:p>
@@ -19159,7 +18781,94 @@
 </p:sld>
 </file>
 
-<file path=ppt/slides/slide7.xml><?xml version="1.0" encoding="utf-8"?>
+<file path=ppt/slides/slide5.xml><?xml version="1.0" encoding="utf-8"?>
+<p:sld xmlns:a="http://schemas.openxmlformats.org/drawingml/2006/main" xmlns:r="http://schemas.openxmlformats.org/officeDocument/2006/relationships" xmlns:p="http://schemas.openxmlformats.org/presentationml/2006/main">
+  <p:cSld>
+    <p:spTree>
+      <p:nvGrpSpPr>
+        <p:cNvPr id="1" name=""/>
+        <p:cNvGrpSpPr/>
+        <p:nvPr/>
+      </p:nvGrpSpPr>
+      <p:grpSpPr>
+        <a:xfrm>
+          <a:off x="0" y="0"/>
+          <a:ext cx="0" cy="0"/>
+          <a:chOff x="0" y="0"/>
+          <a:chExt cx="0" cy="0"/>
+        </a:xfrm>
+      </p:grpSpPr>
+      <p:sp>
+        <p:nvSpPr>
+          <p:cNvPr id="2" name="Title 1">
+            <a:extLst>
+              <a:ext uri="{FF2B5EF4-FFF2-40B4-BE49-F238E27FC236}">
+                <a16:creationId xmlns:a16="http://schemas.microsoft.com/office/drawing/2014/main" id="{568EFF83-4825-1C49-76B6-5962036979DC}"/>
+              </a:ext>
+            </a:extLst>
+          </p:cNvPr>
+          <p:cNvSpPr>
+            <a:spLocks noGrp="1"/>
+          </p:cNvSpPr>
+          <p:nvPr>
+            <p:ph type="title"/>
+          </p:nvPr>
+        </p:nvSpPr>
+        <p:spPr/>
+        <p:txBody>
+          <a:bodyPr/>
+          <a:lstStyle/>
+          <a:p>
+            <a:r>
+              <a:rPr lang="en-US" dirty="0"/>
+              <a:t>Requirements Diagram</a:t>
+            </a:r>
+          </a:p>
+        </p:txBody>
+      </p:sp>
+      <p:sp>
+        <p:nvSpPr>
+          <p:cNvPr id="4" name="Slide Number Placeholder 3">
+            <a:extLst>
+              <a:ext uri="{FF2B5EF4-FFF2-40B4-BE49-F238E27FC236}">
+                <a16:creationId xmlns:a16="http://schemas.microsoft.com/office/drawing/2014/main" id="{55BDB013-CFAA-656D-9CEB-937A1F7C630B}"/>
+              </a:ext>
+            </a:extLst>
+          </p:cNvPr>
+          <p:cNvSpPr>
+            <a:spLocks noGrp="1"/>
+          </p:cNvSpPr>
+          <p:nvPr>
+            <p:ph type="sldNum" sz="quarter" idx="12"/>
+          </p:nvPr>
+        </p:nvSpPr>
+        <p:spPr/>
+        <p:txBody>
+          <a:bodyPr/>
+          <a:lstStyle/>
+          <a:p>
+            <a:fld id="{66103649-6318-499E-8D73-9FC78DC0194D}" type="slidenum">
+              <a:rPr lang="en-US" smtClean="0"/>
+              <a:t>5</a:t>
+            </a:fld>
+            <a:endParaRPr lang="en-US"/>
+          </a:p>
+        </p:txBody>
+      </p:sp>
+    </p:spTree>
+    <p:extLst>
+      <p:ext uri="{BB962C8B-B14F-4D97-AF65-F5344CB8AC3E}">
+        <p14:creationId xmlns:p14="http://schemas.microsoft.com/office/powerpoint/2010/main" val="3084710840"/>
+      </p:ext>
+    </p:extLst>
+  </p:cSld>
+  <p:clrMapOvr>
+    <a:masterClrMapping/>
+  </p:clrMapOvr>
+</p:sld>
+</file>
+
+<file path=ppt/slides/slide6.xml><?xml version="1.0" encoding="utf-8"?>
 <p:sld xmlns:a="http://schemas.openxmlformats.org/drawingml/2006/main" xmlns:r="http://schemas.openxmlformats.org/officeDocument/2006/relationships" xmlns:p="http://schemas.openxmlformats.org/presentationml/2006/main">
   <p:cSld>
     <p:bg>
@@ -19865,7 +19574,7 @@
           <a:p>
             <a:fld id="{66103649-6318-499E-8D73-9FC78DC0194D}" type="slidenum">
               <a:rPr lang="en-US" smtClean="0"/>
-              <a:t>7</a:t>
+              <a:t>6</a:t>
             </a:fld>
             <a:endParaRPr lang="en-US"/>
           </a:p>
@@ -19884,7 +19593,7 @@
 </p:sld>
 </file>
 
-<file path=ppt/slides/slide8.xml><?xml version="1.0" encoding="utf-8"?>
+<file path=ppt/slides/slide7.xml><?xml version="1.0" encoding="utf-8"?>
 <p:sld xmlns:a="http://schemas.openxmlformats.org/drawingml/2006/main" xmlns:r="http://schemas.openxmlformats.org/officeDocument/2006/relationships" xmlns:p="http://schemas.openxmlformats.org/presentationml/2006/main">
   <p:cSld>
     <p:spTree>
@@ -19987,7 +19696,7 @@
           <a:p>
             <a:fld id="{66103649-6318-499E-8D73-9FC78DC0194D}" type="slidenum">
               <a:rPr lang="en-US" smtClean="0"/>
-              <a:t>8</a:t>
+              <a:t>7</a:t>
             </a:fld>
             <a:endParaRPr lang="en-US"/>
           </a:p>
@@ -20006,7 +19715,7 @@
 </p:sld>
 </file>
 
-<file path=ppt/slides/slide9.xml><?xml version="1.0" encoding="utf-8"?>
+<file path=ppt/slides/slide8.xml><?xml version="1.0" encoding="utf-8"?>
 <p:sld xmlns:a="http://schemas.openxmlformats.org/drawingml/2006/main" xmlns:r="http://schemas.openxmlformats.org/officeDocument/2006/relationships" xmlns:p="http://schemas.openxmlformats.org/presentationml/2006/main">
   <p:cSld>
     <p:spTree>
@@ -20106,7 +19815,7 @@
           <a:p>
             <a:fld id="{66103649-6318-499E-8D73-9FC78DC0194D}" type="slidenum">
               <a:rPr lang="en-US" smtClean="0"/>
-              <a:t>9</a:t>
+              <a:t>8</a:t>
             </a:fld>
             <a:endParaRPr lang="en-US"/>
           </a:p>
@@ -20116,6 +19825,125 @@
     <p:extLst>
       <p:ext uri="{BB962C8B-B14F-4D97-AF65-F5344CB8AC3E}">
         <p14:creationId xmlns:p14="http://schemas.microsoft.com/office/powerpoint/2010/main" val="3149014752"/>
+      </p:ext>
+    </p:extLst>
+  </p:cSld>
+  <p:clrMapOvr>
+    <a:masterClrMapping/>
+  </p:clrMapOvr>
+</p:sld>
+</file>
+
+<file path=ppt/slides/slide9.xml><?xml version="1.0" encoding="utf-8"?>
+<p:sld xmlns:a="http://schemas.openxmlformats.org/drawingml/2006/main" xmlns:r="http://schemas.openxmlformats.org/officeDocument/2006/relationships" xmlns:p="http://schemas.openxmlformats.org/presentationml/2006/main">
+  <p:cSld>
+    <p:spTree>
+      <p:nvGrpSpPr>
+        <p:cNvPr id="1" name=""/>
+        <p:cNvGrpSpPr/>
+        <p:nvPr/>
+      </p:nvGrpSpPr>
+      <p:grpSpPr>
+        <a:xfrm>
+          <a:off x="0" y="0"/>
+          <a:ext cx="0" cy="0"/>
+          <a:chOff x="0" y="0"/>
+          <a:chExt cx="0" cy="0"/>
+        </a:xfrm>
+      </p:grpSpPr>
+      <p:sp>
+        <p:nvSpPr>
+          <p:cNvPr id="2" name="Title 1">
+            <a:extLst>
+              <a:ext uri="{FF2B5EF4-FFF2-40B4-BE49-F238E27FC236}">
+                <a16:creationId xmlns:a16="http://schemas.microsoft.com/office/drawing/2014/main" id="{C651198D-4596-3EE9-B429-C97FD8EE28AB}"/>
+              </a:ext>
+            </a:extLst>
+          </p:cNvPr>
+          <p:cNvSpPr>
+            <a:spLocks noGrp="1"/>
+          </p:cNvSpPr>
+          <p:nvPr>
+            <p:ph type="title"/>
+          </p:nvPr>
+        </p:nvSpPr>
+        <p:spPr/>
+        <p:txBody>
+          <a:bodyPr/>
+          <a:lstStyle/>
+          <a:p>
+            <a:endParaRPr lang="en-US"/>
+          </a:p>
+        </p:txBody>
+      </p:sp>
+      <p:pic>
+        <p:nvPicPr>
+          <p:cNvPr id="6" name="Content Placeholder 5" descr="A diagram of a system&#10;&#10;Description automatically generated">
+            <a:extLst>
+              <a:ext uri="{FF2B5EF4-FFF2-40B4-BE49-F238E27FC236}">
+                <a16:creationId xmlns:a16="http://schemas.microsoft.com/office/drawing/2014/main" id="{D375CD82-C383-012B-62CE-AB38EC599E8D}"/>
+              </a:ext>
+            </a:extLst>
+          </p:cNvPr>
+          <p:cNvPicPr>
+            <a:picLocks noGrp="1" noChangeAspect="1"/>
+          </p:cNvPicPr>
+          <p:nvPr>
+            <p:ph idx="1"/>
+          </p:nvPr>
+        </p:nvPicPr>
+        <p:blipFill>
+          <a:blip r:embed="rId2">
+            <a:extLst>
+              <a:ext uri="{28A0092B-C50C-407E-A947-70E740481C1C}">
+                <a14:useLocalDpi xmlns:a14="http://schemas.microsoft.com/office/drawing/2010/main" val="0"/>
+              </a:ext>
+            </a:extLst>
+          </a:blip>
+          <a:stretch>
+            <a:fillRect/>
+          </a:stretch>
+        </p:blipFill>
+        <p:spPr>
+          <a:xfrm>
+            <a:off x="2426476" y="174170"/>
+            <a:ext cx="7867204" cy="6215743"/>
+          </a:xfrm>
+        </p:spPr>
+      </p:pic>
+      <p:sp>
+        <p:nvSpPr>
+          <p:cNvPr id="4" name="Slide Number Placeholder 3">
+            <a:extLst>
+              <a:ext uri="{FF2B5EF4-FFF2-40B4-BE49-F238E27FC236}">
+                <a16:creationId xmlns:a16="http://schemas.microsoft.com/office/drawing/2014/main" id="{6C731A21-B2C2-8761-E952-07B5E2B6C75D}"/>
+              </a:ext>
+            </a:extLst>
+          </p:cNvPr>
+          <p:cNvSpPr>
+            <a:spLocks noGrp="1"/>
+          </p:cNvSpPr>
+          <p:nvPr>
+            <p:ph type="sldNum" sz="quarter" idx="12"/>
+          </p:nvPr>
+        </p:nvSpPr>
+        <p:spPr/>
+        <p:txBody>
+          <a:bodyPr/>
+          <a:lstStyle/>
+          <a:p>
+            <a:fld id="{66103649-6318-499E-8D73-9FC78DC0194D}" type="slidenum">
+              <a:rPr lang="en-US" smtClean="0"/>
+              <a:t>9</a:t>
+            </a:fld>
+            <a:endParaRPr lang="en-US"/>
+          </a:p>
+        </p:txBody>
+      </p:sp>
+    </p:spTree>
+    <p:extLst>
+      <p:ext uri="{BB962C8B-B14F-4D97-AF65-F5344CB8AC3E}">
+        <p14:creationId xmlns:p14="http://schemas.microsoft.com/office/powerpoint/2010/main" val="3655734416"/>
       </p:ext>
     </p:extLst>
   </p:cSld>
